--- a/CPE Electives (1 - 3)/01. Lectures Notebook/00. Presentations & Text Books/01. Electives 1 to 3/00. Preliminaries.pptx
+++ b/CPE Electives (1 - 3)/01. Lectures Notebook/00. Presentations & Text Books/01. Electives 1 to 3/00. Preliminaries.pptx
@@ -5,31 +5,41 @@
     <p:sldMasterId id="2147483684" r:id="rId1"/>
   </p:sldMasterIdLst>
   <p:notesMasterIdLst>
-    <p:notesMasterId r:id="rId24"/>
+    <p:notesMasterId r:id="rId34"/>
   </p:notesMasterIdLst>
   <p:sldIdLst>
     <p:sldId id="258" r:id="rId2"/>
-    <p:sldId id="259" r:id="rId3"/>
-    <p:sldId id="315" r:id="rId4"/>
-    <p:sldId id="316" r:id="rId5"/>
-    <p:sldId id="317" r:id="rId6"/>
-    <p:sldId id="318" r:id="rId7"/>
-    <p:sldId id="319" r:id="rId8"/>
-    <p:sldId id="320" r:id="rId9"/>
-    <p:sldId id="321" r:id="rId10"/>
-    <p:sldId id="322" r:id="rId11"/>
-    <p:sldId id="323" r:id="rId12"/>
-    <p:sldId id="324" r:id="rId13"/>
-    <p:sldId id="325" r:id="rId14"/>
-    <p:sldId id="326" r:id="rId15"/>
-    <p:sldId id="328" r:id="rId16"/>
-    <p:sldId id="327" r:id="rId17"/>
-    <p:sldId id="329" r:id="rId18"/>
-    <p:sldId id="331" r:id="rId19"/>
-    <p:sldId id="330" r:id="rId20"/>
-    <p:sldId id="333" r:id="rId21"/>
-    <p:sldId id="332" r:id="rId22"/>
-    <p:sldId id="314" r:id="rId23"/>
+    <p:sldId id="334" r:id="rId3"/>
+    <p:sldId id="335" r:id="rId4"/>
+    <p:sldId id="259" r:id="rId5"/>
+    <p:sldId id="337" r:id="rId6"/>
+    <p:sldId id="338" r:id="rId7"/>
+    <p:sldId id="339" r:id="rId8"/>
+    <p:sldId id="340" r:id="rId9"/>
+    <p:sldId id="341" r:id="rId10"/>
+    <p:sldId id="342" r:id="rId11"/>
+    <p:sldId id="343" r:id="rId12"/>
+    <p:sldId id="336" r:id="rId13"/>
+    <p:sldId id="315" r:id="rId14"/>
+    <p:sldId id="316" r:id="rId15"/>
+    <p:sldId id="317" r:id="rId16"/>
+    <p:sldId id="318" r:id="rId17"/>
+    <p:sldId id="319" r:id="rId18"/>
+    <p:sldId id="320" r:id="rId19"/>
+    <p:sldId id="321" r:id="rId20"/>
+    <p:sldId id="322" r:id="rId21"/>
+    <p:sldId id="323" r:id="rId22"/>
+    <p:sldId id="324" r:id="rId23"/>
+    <p:sldId id="325" r:id="rId24"/>
+    <p:sldId id="326" r:id="rId25"/>
+    <p:sldId id="328" r:id="rId26"/>
+    <p:sldId id="327" r:id="rId27"/>
+    <p:sldId id="329" r:id="rId28"/>
+    <p:sldId id="331" r:id="rId29"/>
+    <p:sldId id="330" r:id="rId30"/>
+    <p:sldId id="333" r:id="rId31"/>
+    <p:sldId id="332" r:id="rId32"/>
+    <p:sldId id="314" r:id="rId33"/>
   </p:sldIdLst>
   <p:sldSz cx="12192000" cy="6858000"/>
   <p:notesSz cx="6858000" cy="9144000"/>
@@ -243,7 +253,7 @@
           <a:p>
             <a:fld id="{8365AC51-C568-4371-A28D-D14CF2BCF8BA}" type="datetimeFigureOut">
               <a:rPr lang="en-US" smtClean="0"/>
-              <a:t>9/9/2024</a:t>
+              <a:t>9/10/2024</a:t>
             </a:fld>
             <a:endParaRPr lang="en-US"/>
           </a:p>
@@ -4125,8 +4135,8 @@
         </p:nvSpPr>
         <p:spPr>
           <a:xfrm>
-            <a:off x="443883" y="1259789"/>
-            <a:ext cx="11390051" cy="2492990"/>
+            <a:off x="715972" y="2103162"/>
+            <a:ext cx="10807243" cy="2062103"/>
           </a:xfrm>
           <a:prstGeom prst="rect">
             <a:avLst/>
@@ -4140,94 +4150,32 @@
           <a:lstStyle/>
           <a:p>
             <a:r>
-              <a:rPr lang="en-US" sz="3600" b="1" dirty="0">
-                <a:latin typeface="Arial" pitchFamily="34" charset="0"/>
-                <a:cs typeface="Arial" pitchFamily="34" charset="0"/>
-              </a:rPr>
-              <a:t>Week 4 (Data Manipulation with Pandas)</a:t>
-            </a:r>
-          </a:p>
-          <a:p>
-            <a:endParaRPr lang="en-US" sz="2400" b="1" dirty="0">
-              <a:latin typeface="Arial" pitchFamily="34" charset="0"/>
-              <a:cs typeface="Arial" pitchFamily="34" charset="0"/>
-            </a:endParaRPr>
-          </a:p>
-          <a:p>
-            <a:pPr marL="342900" indent="-342900">
-              <a:buFontTx/>
-              <a:buChar char="-"/>
-            </a:pPr>
-            <a:r>
-              <a:rPr lang="en-US" sz="2400" b="1" dirty="0" err="1">
-                <a:latin typeface="Arial" pitchFamily="34" charset="0"/>
-                <a:cs typeface="Arial" pitchFamily="34" charset="0"/>
-              </a:rPr>
-              <a:t>DataFrame</a:t>
-            </a:r>
-            <a:r>
-              <a:rPr lang="en-US" sz="2400" b="1" dirty="0">
-                <a:latin typeface="Arial" pitchFamily="34" charset="0"/>
-                <a:cs typeface="Arial" pitchFamily="34" charset="0"/>
-              </a:rPr>
-              <a:t> Operations: Merging, Joining, Concatenating, and </a:t>
-            </a:r>
-            <a:r>
-              <a:rPr lang="en-US" sz="2400" b="1" dirty="0" err="1">
-                <a:latin typeface="Arial" pitchFamily="34" charset="0"/>
-                <a:cs typeface="Arial" pitchFamily="34" charset="0"/>
-              </a:rPr>
-              <a:t>Resphaping</a:t>
-            </a:r>
-            <a:endParaRPr lang="en-US" sz="2400" b="1" dirty="0">
-              <a:latin typeface="Arial" pitchFamily="34" charset="0"/>
-              <a:cs typeface="Arial" pitchFamily="34" charset="0"/>
-            </a:endParaRPr>
-          </a:p>
-          <a:p>
-            <a:pPr marL="342900" indent="-342900">
-              <a:buFontTx/>
-              <a:buChar char="-"/>
-            </a:pPr>
-            <a:r>
-              <a:rPr lang="en-US" sz="2400" b="1" dirty="0" err="1">
-                <a:latin typeface="Arial" pitchFamily="34" charset="0"/>
-                <a:cs typeface="Arial" pitchFamily="34" charset="0"/>
-              </a:rPr>
-              <a:t>GroupBy</a:t>
-            </a:r>
-            <a:r>
-              <a:rPr lang="en-US" sz="2400" b="1" dirty="0">
-                <a:latin typeface="Arial" pitchFamily="34" charset="0"/>
-                <a:cs typeface="Arial" pitchFamily="34" charset="0"/>
-              </a:rPr>
-              <a:t> Operations and Aggregations</a:t>
-            </a:r>
-          </a:p>
-          <a:p>
-            <a:pPr marL="342900" indent="-342900">
-              <a:buFontTx/>
-              <a:buChar char="-"/>
-            </a:pPr>
-            <a:r>
-              <a:rPr lang="en-US" sz="2400" b="1" dirty="0">
-                <a:latin typeface="Arial" pitchFamily="34" charset="0"/>
-                <a:cs typeface="Arial" pitchFamily="34" charset="0"/>
-              </a:rPr>
-              <a:t>Functions: Mapping, Applying, and Vectorizing</a:t>
-            </a:r>
-          </a:p>
-          <a:p>
-            <a:pPr marL="342900" indent="-342900">
-              <a:buFontTx/>
-              <a:buChar char="-"/>
-            </a:pPr>
-            <a:r>
-              <a:rPr lang="en-US" sz="2400" b="1" dirty="0">
-                <a:latin typeface="Arial" pitchFamily="34" charset="0"/>
-                <a:cs typeface="Arial" pitchFamily="34" charset="0"/>
-              </a:rPr>
-              <a:t>Handling Time Series Data with Pandas</a:t>
+              <a:rPr lang="en-US" sz="3200" b="1" dirty="0"/>
+              <a:t>Moreover, data science is a field that is in </a:t>
+            </a:r>
+            <a:r>
+              <a:rPr lang="en-US" sz="3200" b="1" dirty="0">
+                <a:solidFill>
+                  <a:srgbClr val="FF0000"/>
+                </a:solidFill>
+              </a:rPr>
+              <a:t>high demand</a:t>
+            </a:r>
+            <a:r>
+              <a:rPr lang="en-US" sz="3200" b="1" dirty="0"/>
+              <a:t>. Companies and organizations around the globe are eager to find </a:t>
+            </a:r>
+            <a:r>
+              <a:rPr lang="en-US" sz="3200" b="1" dirty="0">
+                <a:solidFill>
+                  <a:srgbClr val="FF0000"/>
+                </a:solidFill>
+              </a:rPr>
+              <a:t>talented individuals</a:t>
+            </a:r>
+            <a:r>
+              <a:rPr lang="en-US" sz="3200" b="1" dirty="0"/>
+              <a:t> who can help them navigate the complexities of a data-driven world.</a:t>
             </a:r>
           </a:p>
         </p:txBody>
@@ -4235,7 +4183,7 @@
     </p:spTree>
     <p:extLst>
       <p:ext uri="{BB962C8B-B14F-4D97-AF65-F5344CB8AC3E}">
-        <p14:creationId xmlns:p14="http://schemas.microsoft.com/office/powerpoint/2010/main" val="3162777755"/>
+        <p14:creationId xmlns:p14="http://schemas.microsoft.com/office/powerpoint/2010/main" val="2762966729"/>
       </p:ext>
     </p:extLst>
   </p:cSld>
@@ -4270,8 +4218,8 @@
         </p:nvSpPr>
         <p:spPr>
           <a:xfrm>
-            <a:off x="443883" y="1259789"/>
-            <a:ext cx="11390051" cy="2492990"/>
+            <a:off x="715972" y="2103162"/>
+            <a:ext cx="10807243" cy="2554545"/>
           </a:xfrm>
           <a:prstGeom prst="rect">
             <a:avLst/>
@@ -4285,88 +4233,49 @@
           <a:lstStyle/>
           <a:p>
             <a:r>
-              <a:rPr lang="en-US" sz="3600" b="1" dirty="0">
-                <a:latin typeface="Arial" pitchFamily="34" charset="0"/>
-                <a:cs typeface="Arial" pitchFamily="34" charset="0"/>
-              </a:rPr>
-              <a:t>Week 5 (Data Cleaning &amp; Preprocessing)</a:t>
-            </a:r>
-          </a:p>
-          <a:p>
-            <a:endParaRPr lang="en-US" sz="2400" b="1" dirty="0">
-              <a:latin typeface="Arial" pitchFamily="34" charset="0"/>
-              <a:cs typeface="Arial" pitchFamily="34" charset="0"/>
-            </a:endParaRPr>
-          </a:p>
-          <a:p>
-            <a:pPr marL="342900" indent="-342900">
-              <a:buFontTx/>
-              <a:buChar char="-"/>
-            </a:pPr>
-            <a:r>
-              <a:rPr lang="en-US" sz="2400" b="1" dirty="0">
-                <a:latin typeface="Arial" pitchFamily="34" charset="0"/>
-                <a:cs typeface="Arial" pitchFamily="34" charset="0"/>
-              </a:rPr>
-              <a:t>Data Cleaning: Duplicates, Inconsistencies, and Outliers</a:t>
-            </a:r>
-          </a:p>
-          <a:p>
-            <a:pPr marL="342900" indent="-342900">
-              <a:buFontTx/>
-              <a:buChar char="-"/>
-            </a:pPr>
-            <a:r>
-              <a:rPr lang="en-US" sz="2400" b="1" dirty="0">
-                <a:latin typeface="Arial" pitchFamily="34" charset="0"/>
-                <a:cs typeface="Arial" pitchFamily="34" charset="0"/>
-              </a:rPr>
-              <a:t>Data Transformation: Scaling, Normalization, and Encoding</a:t>
-            </a:r>
-          </a:p>
-          <a:p>
-            <a:pPr marL="342900" indent="-342900">
-              <a:buFontTx/>
-              <a:buChar char="-"/>
-            </a:pPr>
-            <a:r>
-              <a:rPr lang="en-US" sz="2400" b="1" dirty="0">
-                <a:latin typeface="Arial" pitchFamily="34" charset="0"/>
-                <a:cs typeface="Arial" pitchFamily="34" charset="0"/>
-              </a:rPr>
-              <a:t>Working with Text Data in Pandas</a:t>
-            </a:r>
-          </a:p>
-          <a:p>
-            <a:pPr marL="342900" indent="-342900">
-              <a:buFontTx/>
-              <a:buChar char="-"/>
-            </a:pPr>
-            <a:r>
-              <a:rPr lang="en-US" sz="2400" b="1" dirty="0">
-                <a:latin typeface="Arial" pitchFamily="34" charset="0"/>
-                <a:cs typeface="Arial" pitchFamily="34" charset="0"/>
-              </a:rPr>
-              <a:t>Handling Missing Data for </a:t>
-            </a:r>
-            <a:r>
-              <a:rPr lang="en-US" sz="2400" b="1" dirty="0" err="1">
-                <a:latin typeface="Arial" pitchFamily="34" charset="0"/>
-                <a:cs typeface="Arial" pitchFamily="34" charset="0"/>
-              </a:rPr>
-              <a:t>DataFrames</a:t>
-            </a:r>
-            <a:endParaRPr lang="en-US" sz="2400" b="1" dirty="0">
-              <a:latin typeface="Arial" pitchFamily="34" charset="0"/>
-              <a:cs typeface="Arial" pitchFamily="34" charset="0"/>
-            </a:endParaRPr>
+              <a:rPr lang="en-US" sz="3200" b="1" dirty="0"/>
+              <a:t>Remember, data is </a:t>
+            </a:r>
+            <a:r>
+              <a:rPr lang="en-US" sz="3200" b="1" dirty="0">
+                <a:solidFill>
+                  <a:srgbClr val="FF0000"/>
+                </a:solidFill>
+              </a:rPr>
+              <a:t>more than just numbers</a:t>
+            </a:r>
+            <a:r>
+              <a:rPr lang="en-US" sz="3200" b="1" dirty="0"/>
+              <a:t>—it’s the key to unlocking a deeper understanding of the world. </a:t>
+            </a:r>
+          </a:p>
+          <a:p>
+            <a:endParaRPr lang="en-US" sz="3200" b="1" dirty="0"/>
+          </a:p>
+          <a:p>
+            <a:r>
+              <a:rPr lang="en-US" sz="3200" b="1" dirty="0"/>
+              <a:t>By mastering data science, you are not just preparing for a job; you are </a:t>
+            </a:r>
+            <a:r>
+              <a:rPr lang="en-US" sz="3200" b="1" dirty="0">
+                <a:solidFill>
+                  <a:srgbClr val="FF0000"/>
+                </a:solidFill>
+              </a:rPr>
+              <a:t>preparing to change the world</a:t>
+            </a:r>
+            <a:r>
+              <a:rPr lang="en-US" sz="3200" b="1" dirty="0"/>
+              <a:t>, one dataset at a time.</a:t>
+            </a:r>
           </a:p>
         </p:txBody>
       </p:sp>
     </p:spTree>
     <p:extLst>
       <p:ext uri="{BB962C8B-B14F-4D97-AF65-F5344CB8AC3E}">
-        <p14:creationId xmlns:p14="http://schemas.microsoft.com/office/powerpoint/2010/main" val="1553192981"/>
+        <p14:creationId xmlns:p14="http://schemas.microsoft.com/office/powerpoint/2010/main" val="70215368"/>
       </p:ext>
     </p:extLst>
   </p:cSld>
@@ -4401,8 +4310,8 @@
         </p:nvSpPr>
         <p:spPr>
           <a:xfrm>
-            <a:off x="443883" y="1259789"/>
-            <a:ext cx="11390051" cy="2492990"/>
+            <a:off x="715972" y="1659285"/>
+            <a:ext cx="10585301" cy="2062103"/>
           </a:xfrm>
           <a:prstGeom prst="rect">
             <a:avLst/>
@@ -4416,77 +4325,33 @@
           <a:lstStyle/>
           <a:p>
             <a:r>
-              <a:rPr lang="en-US" sz="3600" b="1" dirty="0">
-                <a:latin typeface="Arial" pitchFamily="34" charset="0"/>
-                <a:cs typeface="Arial" pitchFamily="34" charset="0"/>
-              </a:rPr>
-              <a:t>Week 6 (Introduction to Data Wrangling)</a:t>
-            </a:r>
-          </a:p>
-          <a:p>
-            <a:endParaRPr lang="en-US" sz="2400" b="1" dirty="0">
+              <a:rPr lang="en-US" sz="3200" b="1" dirty="0">
+                <a:solidFill>
+                  <a:srgbClr val="FF0000"/>
+                </a:solidFill>
+                <a:latin typeface="Arial" pitchFamily="34" charset="0"/>
+                <a:cs typeface="Arial" pitchFamily="34" charset="0"/>
+              </a:rPr>
+              <a:t>Data Science </a:t>
+            </a:r>
+            <a:r>
+              <a:rPr lang="en-US" sz="3200" b="1" dirty="0">
+                <a:latin typeface="Arial" pitchFamily="34" charset="0"/>
+                <a:cs typeface="Arial" pitchFamily="34" charset="0"/>
+              </a:rPr>
+              <a:t>is a multidisciplinary field that combines statistical analysis, computer science, and domain-specific knowledge to extract meaningful insights from data.</a:t>
+            </a:r>
+            <a:endParaRPr lang="en-PH" sz="3200" b="1" dirty="0">
               <a:latin typeface="Arial" pitchFamily="34" charset="0"/>
               <a:cs typeface="Arial" pitchFamily="34" charset="0"/>
             </a:endParaRPr>
           </a:p>
-          <a:p>
-            <a:pPr marL="342900" indent="-342900">
-              <a:buFontTx/>
-              <a:buChar char="-"/>
-            </a:pPr>
-            <a:r>
-              <a:rPr lang="en-US" sz="2400" b="1" dirty="0">
-                <a:latin typeface="Arial" pitchFamily="34" charset="0"/>
-                <a:cs typeface="Arial" pitchFamily="34" charset="0"/>
-              </a:rPr>
-              <a:t>Data Wrangling Fundamentals</a:t>
-            </a:r>
-          </a:p>
-          <a:p>
-            <a:pPr marL="342900" indent="-342900">
-              <a:buFontTx/>
-              <a:buChar char="-"/>
-            </a:pPr>
-            <a:r>
-              <a:rPr lang="en-US" sz="2400" b="1" dirty="0">
-                <a:latin typeface="Arial" pitchFamily="34" charset="0"/>
-                <a:cs typeface="Arial" pitchFamily="34" charset="0"/>
-              </a:rPr>
-              <a:t>Data Inspection and Profiling</a:t>
-            </a:r>
-          </a:p>
-          <a:p>
-            <a:pPr marL="342900" indent="-342900">
-              <a:buFontTx/>
-              <a:buChar char="-"/>
-            </a:pPr>
-            <a:r>
-              <a:rPr lang="en-US" sz="2400" b="1" dirty="0">
-                <a:latin typeface="Arial" pitchFamily="34" charset="0"/>
-                <a:cs typeface="Arial" pitchFamily="34" charset="0"/>
-              </a:rPr>
-              <a:t>Common Data Wrangling Tasks and Challenges</a:t>
-            </a:r>
-          </a:p>
-          <a:p>
-            <a:pPr marL="342900" indent="-342900">
-              <a:buFontTx/>
-              <a:buChar char="-"/>
-            </a:pPr>
-            <a:r>
-              <a:rPr lang="en-US" sz="2400" b="1" dirty="0">
-                <a:latin typeface="Arial" pitchFamily="34" charset="0"/>
-                <a:cs typeface="Arial" pitchFamily="34" charset="0"/>
-              </a:rPr>
-              <a:t>Introduction to Regular Expressions for Data Cleaning</a:t>
-            </a:r>
-          </a:p>
         </p:txBody>
       </p:sp>
     </p:spTree>
     <p:extLst>
       <p:ext uri="{BB962C8B-B14F-4D97-AF65-F5344CB8AC3E}">
-        <p14:creationId xmlns:p14="http://schemas.microsoft.com/office/powerpoint/2010/main" val="535670495"/>
+        <p14:creationId xmlns:p14="http://schemas.microsoft.com/office/powerpoint/2010/main" val="3092527105"/>
       </p:ext>
     </p:extLst>
   </p:cSld>
@@ -4521,8 +4386,8 @@
         </p:nvSpPr>
         <p:spPr>
           <a:xfrm>
-            <a:off x="443883" y="1259789"/>
-            <a:ext cx="11390051" cy="2492990"/>
+            <a:off x="715972" y="1659285"/>
+            <a:ext cx="6066567" cy="2554545"/>
           </a:xfrm>
           <a:prstGeom prst="rect">
             <a:avLst/>
@@ -4536,77 +4401,74 @@
           <a:lstStyle/>
           <a:p>
             <a:r>
-              <a:rPr lang="en-US" sz="3600" b="1" dirty="0">
-                <a:latin typeface="Arial" pitchFamily="34" charset="0"/>
-                <a:cs typeface="Arial" pitchFamily="34" charset="0"/>
-              </a:rPr>
-              <a:t>Week 7 (Data Wrangling Techniques)</a:t>
-            </a:r>
-          </a:p>
-          <a:p>
-            <a:endParaRPr lang="en-US" sz="2400" b="1" dirty="0">
+              <a:rPr lang="en-US" sz="3200" b="1" dirty="0">
+                <a:latin typeface="Arial" pitchFamily="34" charset="0"/>
+                <a:cs typeface="Arial" pitchFamily="34" charset="0"/>
+              </a:rPr>
+              <a:t>It involves various techniques to </a:t>
+            </a:r>
+            <a:r>
+              <a:rPr lang="en-US" sz="3200" b="1" dirty="0">
+                <a:solidFill>
+                  <a:srgbClr val="FF0000"/>
+                </a:solidFill>
+                <a:latin typeface="Arial" pitchFamily="34" charset="0"/>
+                <a:cs typeface="Arial" pitchFamily="34" charset="0"/>
+              </a:rPr>
+              <a:t>process</a:t>
+            </a:r>
+            <a:r>
+              <a:rPr lang="en-US" sz="3200" b="1" dirty="0">
+                <a:latin typeface="Arial" pitchFamily="34" charset="0"/>
+                <a:cs typeface="Arial" pitchFamily="34" charset="0"/>
+              </a:rPr>
+              <a:t>, </a:t>
+            </a:r>
+            <a:r>
+              <a:rPr lang="en-US" sz="3200" b="1" dirty="0">
+                <a:solidFill>
+                  <a:srgbClr val="FF0000"/>
+                </a:solidFill>
+                <a:latin typeface="Arial" pitchFamily="34" charset="0"/>
+                <a:cs typeface="Arial" pitchFamily="34" charset="0"/>
+              </a:rPr>
+              <a:t>analyze</a:t>
+            </a:r>
+            <a:r>
+              <a:rPr lang="en-US" sz="3200" b="1" dirty="0">
+                <a:latin typeface="Arial" pitchFamily="34" charset="0"/>
+                <a:cs typeface="Arial" pitchFamily="34" charset="0"/>
+              </a:rPr>
+              <a:t>, and </a:t>
+            </a:r>
+            <a:r>
+              <a:rPr lang="en-US" sz="3200" b="1" dirty="0">
+                <a:solidFill>
+                  <a:srgbClr val="FF0000"/>
+                </a:solidFill>
+                <a:latin typeface="Arial" pitchFamily="34" charset="0"/>
+                <a:cs typeface="Arial" pitchFamily="34" charset="0"/>
+              </a:rPr>
+              <a:t>interpret</a:t>
+            </a:r>
+            <a:r>
+              <a:rPr lang="en-US" sz="3200" b="1" dirty="0">
+                <a:latin typeface="Arial" pitchFamily="34" charset="0"/>
+                <a:cs typeface="Arial" pitchFamily="34" charset="0"/>
+              </a:rPr>
+              <a:t> large volumes of structured and unstructured data.</a:t>
+            </a:r>
+            <a:endParaRPr lang="en-PH" sz="3200" b="1" dirty="0">
               <a:latin typeface="Arial" pitchFamily="34" charset="0"/>
               <a:cs typeface="Arial" pitchFamily="34" charset="0"/>
             </a:endParaRPr>
           </a:p>
-          <a:p>
-            <a:pPr marL="342900" indent="-342900">
-              <a:buFontTx/>
-              <a:buChar char="-"/>
-            </a:pPr>
-            <a:r>
-              <a:rPr lang="en-US" sz="2400" b="1" dirty="0">
-                <a:latin typeface="Arial" pitchFamily="34" charset="0"/>
-                <a:cs typeface="Arial" pitchFamily="34" charset="0"/>
-              </a:rPr>
-              <a:t>Imputation Techniques</a:t>
-            </a:r>
-          </a:p>
-          <a:p>
-            <a:pPr marL="342900" indent="-342900">
-              <a:buFontTx/>
-              <a:buChar char="-"/>
-            </a:pPr>
-            <a:r>
-              <a:rPr lang="en-US" sz="2400" b="1" dirty="0">
-                <a:latin typeface="Arial" pitchFamily="34" charset="0"/>
-                <a:cs typeface="Arial" pitchFamily="34" charset="0"/>
-              </a:rPr>
-              <a:t>Combining and Reshaping Datasets</a:t>
-            </a:r>
-          </a:p>
-          <a:p>
-            <a:pPr marL="342900" indent="-342900">
-              <a:buFontTx/>
-              <a:buChar char="-"/>
-            </a:pPr>
-            <a:r>
-              <a:rPr lang="en-US" sz="2400" b="1" dirty="0">
-                <a:latin typeface="Arial" pitchFamily="34" charset="0"/>
-                <a:cs typeface="Arial" pitchFamily="34" charset="0"/>
-              </a:rPr>
-              <a:t>Outlier Treatment</a:t>
-            </a:r>
-          </a:p>
-          <a:p>
-            <a:pPr marL="342900" indent="-342900">
-              <a:buFontTx/>
-              <a:buChar char="-"/>
-            </a:pPr>
-            <a:r>
-              <a:rPr lang="en-US" sz="2400" b="1" dirty="0">
-                <a:latin typeface="Arial" pitchFamily="34" charset="0"/>
-                <a:cs typeface="Arial" pitchFamily="34" charset="0"/>
-              </a:rPr>
-              <a:t>Feature Engineering for Data Science</a:t>
-            </a:r>
-          </a:p>
         </p:txBody>
       </p:sp>
     </p:spTree>
     <p:extLst>
       <p:ext uri="{BB962C8B-B14F-4D97-AF65-F5344CB8AC3E}">
-        <p14:creationId xmlns:p14="http://schemas.microsoft.com/office/powerpoint/2010/main" val="4218240463"/>
+        <p14:creationId xmlns:p14="http://schemas.microsoft.com/office/powerpoint/2010/main" val="3699455703"/>
       </p:ext>
     </p:extLst>
   </p:cSld>
@@ -4641,8 +4503,8 @@
         </p:nvSpPr>
         <p:spPr>
           <a:xfrm>
-            <a:off x="443883" y="1259789"/>
-            <a:ext cx="11390051" cy="1754326"/>
+            <a:off x="715972" y="1659285"/>
+            <a:ext cx="10540913" cy="1569660"/>
           </a:xfrm>
           <a:prstGeom prst="rect">
             <a:avLst/>
@@ -4656,51 +4518,57 @@
           <a:lstStyle/>
           <a:p>
             <a:r>
-              <a:rPr lang="en-US" sz="3600" b="1" dirty="0">
-                <a:latin typeface="Arial" pitchFamily="34" charset="0"/>
-                <a:cs typeface="Arial" pitchFamily="34" charset="0"/>
-              </a:rPr>
-              <a:t>Week 8 (Data Extraction)</a:t>
-            </a:r>
-          </a:p>
-          <a:p>
-            <a:endParaRPr lang="en-US" sz="2400" b="1" dirty="0">
+              <a:rPr lang="en-US" sz="3200" b="1" dirty="0">
+                <a:latin typeface="Arial" pitchFamily="34" charset="0"/>
+                <a:cs typeface="Arial" pitchFamily="34" charset="0"/>
+              </a:rPr>
+              <a:t>By leveraging algorithms, </a:t>
+            </a:r>
+            <a:r>
+              <a:rPr lang="en-US" sz="3200" b="1" dirty="0">
+                <a:solidFill>
+                  <a:srgbClr val="FF0000"/>
+                </a:solidFill>
+                <a:latin typeface="Arial" pitchFamily="34" charset="0"/>
+                <a:cs typeface="Arial" pitchFamily="34" charset="0"/>
+              </a:rPr>
+              <a:t>machine learning</a:t>
+            </a:r>
+            <a:r>
+              <a:rPr lang="en-US" sz="3200" b="1" dirty="0">
+                <a:latin typeface="Arial" pitchFamily="34" charset="0"/>
+                <a:cs typeface="Arial" pitchFamily="34" charset="0"/>
+              </a:rPr>
+              <a:t>, and </a:t>
+            </a:r>
+            <a:r>
+              <a:rPr lang="en-US" sz="3200" b="1" dirty="0">
+                <a:solidFill>
+                  <a:srgbClr val="FF0000"/>
+                </a:solidFill>
+                <a:latin typeface="Arial" pitchFamily="34" charset="0"/>
+                <a:cs typeface="Arial" pitchFamily="34" charset="0"/>
+              </a:rPr>
+              <a:t>statistical models</a:t>
+            </a:r>
+            <a:r>
+              <a:rPr lang="en-US" sz="3200" b="1" dirty="0">
+                <a:latin typeface="Arial" pitchFamily="34" charset="0"/>
+                <a:cs typeface="Arial" pitchFamily="34" charset="0"/>
+              </a:rPr>
+              <a:t>, you can uncover patterns and trends that inform decision-making.</a:t>
+            </a:r>
+            <a:endParaRPr lang="en-PH" sz="3200" b="1" dirty="0">
               <a:latin typeface="Arial" pitchFamily="34" charset="0"/>
               <a:cs typeface="Arial" pitchFamily="34" charset="0"/>
             </a:endParaRPr>
           </a:p>
-          <a:p>
-            <a:pPr marL="342900" indent="-342900">
-              <a:buFontTx/>
-              <a:buChar char="-"/>
-            </a:pPr>
-            <a:r>
-              <a:rPr lang="en-US" sz="2400" b="1" dirty="0">
-                <a:latin typeface="Arial" pitchFamily="34" charset="0"/>
-                <a:cs typeface="Arial" pitchFamily="34" charset="0"/>
-              </a:rPr>
-              <a:t>Extracting Data using Native Python</a:t>
-            </a:r>
-          </a:p>
-          <a:p>
-            <a:pPr marL="342900" indent="-342900">
-              <a:buFontTx/>
-              <a:buChar char="-"/>
-            </a:pPr>
-            <a:r>
-              <a:rPr lang="en-US" sz="2400" b="1" dirty="0">
-                <a:latin typeface="Arial" pitchFamily="34" charset="0"/>
-                <a:cs typeface="Arial" pitchFamily="34" charset="0"/>
-              </a:rPr>
-              <a:t>Extraction using SQL</a:t>
-            </a:r>
-          </a:p>
         </p:txBody>
       </p:sp>
     </p:spTree>
     <p:extLst>
       <p:ext uri="{BB962C8B-B14F-4D97-AF65-F5344CB8AC3E}">
-        <p14:creationId xmlns:p14="http://schemas.microsoft.com/office/powerpoint/2010/main" val="283928878"/>
+        <p14:creationId xmlns:p14="http://schemas.microsoft.com/office/powerpoint/2010/main" val="1296858923"/>
       </p:ext>
     </p:extLst>
   </p:cSld>
@@ -4735,8 +4603,8 @@
         </p:nvSpPr>
         <p:spPr>
           <a:xfrm>
-            <a:off x="443883" y="1259789"/>
-            <a:ext cx="11390051" cy="2492990"/>
+            <a:off x="715972" y="1659285"/>
+            <a:ext cx="10452137" cy="1754326"/>
           </a:xfrm>
           <a:prstGeom prst="rect">
             <a:avLst/>
@@ -4754,87 +4622,32 @@
                 <a:latin typeface="Arial" pitchFamily="34" charset="0"/>
                 <a:cs typeface="Arial" pitchFamily="34" charset="0"/>
               </a:rPr>
-              <a:t>Week 9 (Web Scraping)</a:t>
-            </a:r>
-          </a:p>
-          <a:p>
-            <a:endParaRPr lang="en-US" sz="2400" b="1" dirty="0">
+              <a:t>In today’s data-driven world, your ability to harness data effectively will be your </a:t>
+            </a:r>
+            <a:r>
+              <a:rPr lang="en-US" sz="3600" b="1" dirty="0">
+                <a:solidFill>
+                  <a:srgbClr val="FF0000"/>
+                </a:solidFill>
+                <a:latin typeface="Arial" pitchFamily="34" charset="0"/>
+                <a:cs typeface="Arial" pitchFamily="34" charset="0"/>
+              </a:rPr>
+              <a:t>competitive advantage</a:t>
+            </a:r>
+            <a:endParaRPr lang="en-PH" sz="3600" b="1" dirty="0">
+              <a:solidFill>
+                <a:srgbClr val="FF0000"/>
+              </a:solidFill>
               <a:latin typeface="Arial" pitchFamily="34" charset="0"/>
               <a:cs typeface="Arial" pitchFamily="34" charset="0"/>
             </a:endParaRPr>
           </a:p>
-          <a:p>
-            <a:pPr marL="342900" indent="-342900">
-              <a:buFontTx/>
-              <a:buChar char="-"/>
-            </a:pPr>
-            <a:r>
-              <a:rPr lang="en-US" sz="2400" b="1" dirty="0">
-                <a:latin typeface="Arial" pitchFamily="34" charset="0"/>
-                <a:cs typeface="Arial" pitchFamily="34" charset="0"/>
-              </a:rPr>
-              <a:t>Introduction to Web Scraping</a:t>
-            </a:r>
-          </a:p>
-          <a:p>
-            <a:pPr marL="342900" indent="-342900">
-              <a:buFontTx/>
-              <a:buChar char="-"/>
-            </a:pPr>
-            <a:r>
-              <a:rPr lang="en-US" sz="2400" b="1" dirty="0">
-                <a:latin typeface="Arial" pitchFamily="34" charset="0"/>
-                <a:cs typeface="Arial" pitchFamily="34" charset="0"/>
-              </a:rPr>
-              <a:t>Tools: </a:t>
-            </a:r>
-            <a:r>
-              <a:rPr lang="en-US" sz="2400" b="1" dirty="0" err="1">
-                <a:latin typeface="Arial" pitchFamily="34" charset="0"/>
-                <a:cs typeface="Arial" pitchFamily="34" charset="0"/>
-              </a:rPr>
-              <a:t>BeautifulSoup</a:t>
-            </a:r>
-            <a:r>
-              <a:rPr lang="en-US" sz="2400" b="1" dirty="0">
-                <a:latin typeface="Arial" pitchFamily="34" charset="0"/>
-                <a:cs typeface="Arial" pitchFamily="34" charset="0"/>
-              </a:rPr>
-              <a:t>, etc.</a:t>
-            </a:r>
-          </a:p>
-          <a:p>
-            <a:pPr marL="342900" indent="-342900">
-              <a:buFontTx/>
-              <a:buChar char="-"/>
-            </a:pPr>
-            <a:r>
-              <a:rPr lang="en-US" sz="2400" b="1" dirty="0">
-                <a:latin typeface="Arial" pitchFamily="34" charset="0"/>
-                <a:cs typeface="Arial" pitchFamily="34" charset="0"/>
-              </a:rPr>
-              <a:t>Parsing HTML and XML data</a:t>
-            </a:r>
-          </a:p>
-          <a:p>
-            <a:pPr marL="342900" indent="-342900">
-              <a:buFontTx/>
-              <a:buChar char="-"/>
-            </a:pPr>
-            <a:r>
-              <a:rPr lang="en-US" sz="2400" b="1" dirty="0">
-                <a:latin typeface="Arial" pitchFamily="34" charset="0"/>
-                <a:cs typeface="Arial" pitchFamily="34" charset="0"/>
-              </a:rPr>
-              <a:t>Ethical Considerations and Legal Issues in Web Scraping</a:t>
-            </a:r>
-          </a:p>
         </p:txBody>
       </p:sp>
     </p:spTree>
     <p:extLst>
       <p:ext uri="{BB962C8B-B14F-4D97-AF65-F5344CB8AC3E}">
-        <p14:creationId xmlns:p14="http://schemas.microsoft.com/office/powerpoint/2010/main" val="3165595327"/>
+        <p14:creationId xmlns:p14="http://schemas.microsoft.com/office/powerpoint/2010/main" val="390196304"/>
       </p:ext>
     </p:extLst>
   </p:cSld>
@@ -4869,8 +4682,8 @@
         </p:nvSpPr>
         <p:spPr>
           <a:xfrm>
-            <a:off x="443883" y="1259789"/>
-            <a:ext cx="11390051" cy="2123658"/>
+            <a:off x="701256" y="1916738"/>
+            <a:ext cx="10789488" cy="1754326"/>
           </a:xfrm>
           <a:prstGeom prst="rect">
             <a:avLst/>
@@ -4885,55 +4698,48 @@
           <a:p>
             <a:r>
               <a:rPr lang="en-US" sz="3600" b="1" dirty="0">
-                <a:latin typeface="Arial" pitchFamily="34" charset="0"/>
-                <a:cs typeface="Arial" pitchFamily="34" charset="0"/>
-              </a:rPr>
-              <a:t>Week 10 (Exploratory Data Analysis)</a:t>
-            </a:r>
-          </a:p>
-          <a:p>
-            <a:endParaRPr lang="en-US" sz="2400" b="1" dirty="0">
-              <a:latin typeface="Arial" pitchFamily="34" charset="0"/>
-              <a:cs typeface="Arial" pitchFamily="34" charset="0"/>
-            </a:endParaRPr>
-          </a:p>
-          <a:p>
-            <a:pPr marL="342900" indent="-342900">
-              <a:buFontTx/>
-              <a:buChar char="-"/>
-            </a:pPr>
-            <a:r>
-              <a:rPr lang="en-US" sz="2400" b="1" dirty="0">
-                <a:latin typeface="Arial" pitchFamily="34" charset="0"/>
-                <a:cs typeface="Arial" pitchFamily="34" charset="0"/>
-              </a:rPr>
-              <a:t>Statistics and Distributions</a:t>
-            </a:r>
-          </a:p>
-          <a:p>
-            <a:pPr marL="342900" indent="-342900">
-              <a:buFontTx/>
-              <a:buChar char="-"/>
-            </a:pPr>
-            <a:r>
-              <a:rPr lang="en-US" sz="2400" b="1" dirty="0">
-                <a:latin typeface="Arial" pitchFamily="34" charset="0"/>
-                <a:cs typeface="Arial" pitchFamily="34" charset="0"/>
-              </a:rPr>
-              <a:t>Patterns, Anomalies, and Relationships in Data</a:t>
-            </a:r>
-          </a:p>
-          <a:p>
-            <a:pPr marL="342900" indent="-342900">
-              <a:buFontTx/>
-              <a:buChar char="-"/>
-            </a:pPr>
-            <a:r>
-              <a:rPr lang="en-US" sz="2400" b="1" dirty="0">
-                <a:latin typeface="Arial" pitchFamily="34" charset="0"/>
-                <a:cs typeface="Arial" pitchFamily="34" charset="0"/>
-              </a:rPr>
-              <a:t>Correlational Analysis</a:t>
+                <a:solidFill>
+                  <a:srgbClr val="FF0000"/>
+                </a:solidFill>
+                <a:latin typeface="Arial" pitchFamily="34" charset="0"/>
+                <a:cs typeface="Arial" pitchFamily="34" charset="0"/>
+              </a:rPr>
+              <a:t>CPE15</a:t>
+            </a:r>
+            <a:r>
+              <a:rPr lang="en-US" sz="3600" b="1" dirty="0">
+                <a:latin typeface="Arial" pitchFamily="34" charset="0"/>
+                <a:cs typeface="Arial" pitchFamily="34" charset="0"/>
+              </a:rPr>
+              <a:t> – Programming for Data Science</a:t>
+            </a:r>
+          </a:p>
+          <a:p>
+            <a:r>
+              <a:rPr lang="en-US" sz="3600" b="1" dirty="0">
+                <a:solidFill>
+                  <a:schemeClr val="bg1">
+                    <a:lumMod val="50000"/>
+                  </a:schemeClr>
+                </a:solidFill>
+                <a:latin typeface="Arial" pitchFamily="34" charset="0"/>
+                <a:cs typeface="Arial" pitchFamily="34" charset="0"/>
+              </a:rPr>
+              <a:t>CPE21 – Machine Learning 1</a:t>
+            </a:r>
+          </a:p>
+          <a:p>
+            <a:r>
+              <a:rPr lang="en-US" sz="3600" b="1" dirty="0">
+                <a:solidFill>
+                  <a:schemeClr val="bg1">
+                    <a:lumMod val="50000"/>
+                  </a:schemeClr>
+                </a:solidFill>
+                <a:latin typeface="Arial" pitchFamily="34" charset="0"/>
+                <a:cs typeface="Arial" pitchFamily="34" charset="0"/>
+              </a:rPr>
+              <a:t>CPE28 – Machine Learning 2</a:t>
             </a:r>
           </a:p>
         </p:txBody>
@@ -4941,7 +4747,7 @@
     </p:spTree>
     <p:extLst>
       <p:ext uri="{BB962C8B-B14F-4D97-AF65-F5344CB8AC3E}">
-        <p14:creationId xmlns:p14="http://schemas.microsoft.com/office/powerpoint/2010/main" val="3976778351"/>
+        <p14:creationId xmlns:p14="http://schemas.microsoft.com/office/powerpoint/2010/main" val="2516945964"/>
       </p:ext>
     </p:extLst>
   </p:cSld>
@@ -4976,8 +4782,8 @@
         </p:nvSpPr>
         <p:spPr>
           <a:xfrm>
-            <a:off x="443883" y="1259789"/>
-            <a:ext cx="11390051" cy="2123658"/>
+            <a:off x="705694" y="1259789"/>
+            <a:ext cx="10780611" cy="4401205"/>
           </a:xfrm>
           <a:prstGeom prst="rect">
             <a:avLst/>
@@ -4995,7 +4801,7 @@
                 <a:latin typeface="Arial" pitchFamily="34" charset="0"/>
                 <a:cs typeface="Arial" pitchFamily="34" charset="0"/>
               </a:rPr>
-              <a:t>Week 11 (Data Visualizations – Part 1)</a:t>
+              <a:t>Week 1 (Preliminaries)</a:t>
             </a:r>
           </a:p>
           <a:p>
@@ -5005,6 +4811,15 @@
             </a:endParaRPr>
           </a:p>
           <a:p>
+            <a:r>
+              <a:rPr lang="en-US" sz="2400" b="1" dirty="0">
+                <a:latin typeface="Arial" pitchFamily="34" charset="0"/>
+                <a:cs typeface="Arial" pitchFamily="34" charset="0"/>
+              </a:rPr>
+              <a:t>-   Data science overview</a:t>
+            </a:r>
+          </a:p>
+          <a:p>
             <a:pPr marL="342900" indent="-342900">
               <a:buFontTx/>
               <a:buChar char="-"/>
@@ -5014,7 +4829,7 @@
                 <a:latin typeface="Arial" pitchFamily="34" charset="0"/>
                 <a:cs typeface="Arial" pitchFamily="34" charset="0"/>
               </a:rPr>
-              <a:t>Overview of Matplotlib</a:t>
+              <a:t>IDE (Setup, offline and online)</a:t>
             </a:r>
           </a:p>
           <a:p>
@@ -5023,11 +4838,18 @@
               <a:buChar char="-"/>
             </a:pPr>
             <a:r>
+              <a:rPr lang="en-US" sz="2400" b="1" dirty="0" err="1">
+                <a:latin typeface="Arial" pitchFamily="34" charset="0"/>
+                <a:cs typeface="Arial" pitchFamily="34" charset="0"/>
+              </a:rPr>
+              <a:t>Jupyter</a:t>
+            </a:r>
+            <a:r>
               <a:rPr lang="en-US" sz="2400" b="1" dirty="0">
                 <a:latin typeface="Arial" pitchFamily="34" charset="0"/>
                 <a:cs typeface="Arial" pitchFamily="34" charset="0"/>
               </a:rPr>
-              <a:t>Plots: Line plots, Bar plots, Histograms, etc.</a:t>
+              <a:t> Notebook overview</a:t>
             </a:r>
           </a:p>
           <a:p>
@@ -5040,26 +4862,74 @@
                 <a:latin typeface="Arial" pitchFamily="34" charset="0"/>
                 <a:cs typeface="Arial" pitchFamily="34" charset="0"/>
               </a:rPr>
-              <a:t>Plot </a:t>
+              <a:t>Python Basics – Part 1</a:t>
+            </a:r>
+          </a:p>
+          <a:p>
+            <a:r>
+              <a:rPr lang="en-US" sz="2400" b="1" dirty="0">
+                <a:latin typeface="Arial" pitchFamily="34" charset="0"/>
+                <a:cs typeface="Arial" pitchFamily="34" charset="0"/>
+              </a:rPr>
+              <a:t>    a. data types, variables, list, dictionary, </a:t>
             </a:r>
             <a:r>
               <a:rPr lang="en-US" sz="2400" b="1" dirty="0" err="1">
                 <a:latin typeface="Arial" pitchFamily="34" charset="0"/>
                 <a:cs typeface="Arial" pitchFamily="34" charset="0"/>
               </a:rPr>
-              <a:t>Cusomizations</a:t>
-            </a:r>
-            <a:endParaRPr lang="en-US" sz="2400" b="1" dirty="0">
-              <a:latin typeface="Arial" pitchFamily="34" charset="0"/>
-              <a:cs typeface="Arial" pitchFamily="34" charset="0"/>
-            </a:endParaRPr>
+              <a:t>boolean</a:t>
+            </a:r>
+            <a:r>
+              <a:rPr lang="en-US" sz="2400" b="1" dirty="0">
+                <a:latin typeface="Arial" pitchFamily="34" charset="0"/>
+                <a:cs typeface="Arial" pitchFamily="34" charset="0"/>
+              </a:rPr>
+              <a:t>, tuple, sets</a:t>
+            </a:r>
+          </a:p>
+          <a:p>
+            <a:r>
+              <a:rPr lang="en-US" sz="2400" b="1" dirty="0">
+                <a:latin typeface="Arial" pitchFamily="34" charset="0"/>
+                <a:cs typeface="Arial" pitchFamily="34" charset="0"/>
+              </a:rPr>
+              <a:t>    b. comparison operators</a:t>
+            </a:r>
+          </a:p>
+          <a:p>
+            <a:r>
+              <a:rPr lang="en-US" sz="2400" b="1" dirty="0">
+                <a:latin typeface="Arial" pitchFamily="34" charset="0"/>
+                <a:cs typeface="Arial" pitchFamily="34" charset="0"/>
+              </a:rPr>
+              <a:t>    c. logical operators</a:t>
+            </a:r>
+          </a:p>
+          <a:p>
+            <a:r>
+              <a:rPr lang="en-US" sz="2400" b="1" dirty="0">
+                <a:latin typeface="Arial" pitchFamily="34" charset="0"/>
+                <a:cs typeface="Arial" pitchFamily="34" charset="0"/>
+              </a:rPr>
+              <a:t>    d. if constructs</a:t>
+            </a:r>
+          </a:p>
+          <a:p>
+            <a:r>
+              <a:rPr lang="en-US" sz="2400" b="1" dirty="0">
+                <a:latin typeface="Arial" pitchFamily="34" charset="0"/>
+                <a:cs typeface="Arial" pitchFamily="34" charset="0"/>
+              </a:rPr>
+              <a:t>    e. loops</a:t>
+            </a:r>
           </a:p>
         </p:txBody>
       </p:sp>
     </p:spTree>
     <p:extLst>
       <p:ext uri="{BB962C8B-B14F-4D97-AF65-F5344CB8AC3E}">
-        <p14:creationId xmlns:p14="http://schemas.microsoft.com/office/powerpoint/2010/main" val="2482555688"/>
+        <p14:creationId xmlns:p14="http://schemas.microsoft.com/office/powerpoint/2010/main" val="506937463"/>
       </p:ext>
     </p:extLst>
   </p:cSld>
@@ -5095,7 +4965,7 @@
         <p:spPr>
           <a:xfrm>
             <a:off x="443883" y="1259789"/>
-            <a:ext cx="11390051" cy="2123658"/>
+            <a:ext cx="11390051" cy="2492990"/>
           </a:xfrm>
           <a:prstGeom prst="rect">
             <a:avLst/>
@@ -5113,7 +4983,21 @@
                 <a:latin typeface="Arial" pitchFamily="34" charset="0"/>
                 <a:cs typeface="Arial" pitchFamily="34" charset="0"/>
               </a:rPr>
-              <a:t>Week 12 (Data Visualizations – Part 2)</a:t>
+              <a:t>Week 2 (</a:t>
+            </a:r>
+            <a:r>
+              <a:rPr lang="en-US" sz="3600" b="1" dirty="0" err="1">
+                <a:latin typeface="Arial" pitchFamily="34" charset="0"/>
+                <a:cs typeface="Arial" pitchFamily="34" charset="0"/>
+              </a:rPr>
+              <a:t>Numpy</a:t>
+            </a:r>
+            <a:r>
+              <a:rPr lang="en-US" sz="3600" b="1" dirty="0">
+                <a:latin typeface="Arial" pitchFamily="34" charset="0"/>
+                <a:cs typeface="Arial" pitchFamily="34" charset="0"/>
+              </a:rPr>
+              <a:t>)</a:t>
             </a:r>
           </a:p>
           <a:p>
@@ -5132,7 +5016,7 @@
                 <a:latin typeface="Arial" pitchFamily="34" charset="0"/>
                 <a:cs typeface="Arial" pitchFamily="34" charset="0"/>
               </a:rPr>
-              <a:t>Subplots &amp; Grids</a:t>
+              <a:t>Array manipulations: reshaping, flattening, concatenation, splitting, etc.</a:t>
             </a:r>
           </a:p>
           <a:p>
@@ -5145,7 +5029,7 @@
                 <a:latin typeface="Arial" pitchFamily="34" charset="0"/>
                 <a:cs typeface="Arial" pitchFamily="34" charset="0"/>
               </a:rPr>
-              <a:t>More Customizations</a:t>
+              <a:t>Universal functions and aggregation</a:t>
             </a:r>
           </a:p>
           <a:p>
@@ -5158,15 +5042,39 @@
                 <a:latin typeface="Arial" pitchFamily="34" charset="0"/>
                 <a:cs typeface="Arial" pitchFamily="34" charset="0"/>
               </a:rPr>
-              <a:t>3D Plotting</a:t>
-            </a:r>
+              <a:t>Working with multidimensional arrays</a:t>
+            </a:r>
+          </a:p>
+          <a:p>
+            <a:pPr marL="342900" indent="-342900">
+              <a:buFontTx/>
+              <a:buChar char="-"/>
+            </a:pPr>
+            <a:r>
+              <a:rPr lang="en-US" sz="2400" b="1" dirty="0">
+                <a:latin typeface="Arial" pitchFamily="34" charset="0"/>
+                <a:cs typeface="Arial" pitchFamily="34" charset="0"/>
+              </a:rPr>
+              <a:t>Linear Algebra operations with </a:t>
+            </a:r>
+            <a:r>
+              <a:rPr lang="en-US" sz="2400" b="1" dirty="0" err="1">
+                <a:latin typeface="Arial" pitchFamily="34" charset="0"/>
+                <a:cs typeface="Arial" pitchFamily="34" charset="0"/>
+              </a:rPr>
+              <a:t>Numpy</a:t>
+            </a:r>
+            <a:endParaRPr lang="en-US" sz="2400" b="1" dirty="0">
+              <a:latin typeface="Arial" pitchFamily="34" charset="0"/>
+              <a:cs typeface="Arial" pitchFamily="34" charset="0"/>
+            </a:endParaRPr>
           </a:p>
         </p:txBody>
       </p:sp>
     </p:spTree>
     <p:extLst>
       <p:ext uri="{BB962C8B-B14F-4D97-AF65-F5344CB8AC3E}">
-        <p14:creationId xmlns:p14="http://schemas.microsoft.com/office/powerpoint/2010/main" val="160568227"/>
+        <p14:creationId xmlns:p14="http://schemas.microsoft.com/office/powerpoint/2010/main" val="2090829308"/>
       </p:ext>
     </p:extLst>
   </p:cSld>
@@ -5220,7 +5128,7 @@
                 <a:latin typeface="Arial" pitchFamily="34" charset="0"/>
                 <a:cs typeface="Arial" pitchFamily="34" charset="0"/>
               </a:rPr>
-              <a:t>Week 13 (Statistical Data Visualization)</a:t>
+              <a:t>Week 3 (Introduction to Pandas)</a:t>
             </a:r>
           </a:p>
           <a:p>
@@ -5239,8 +5147,19 @@
                 <a:latin typeface="Arial" pitchFamily="34" charset="0"/>
                 <a:cs typeface="Arial" pitchFamily="34" charset="0"/>
               </a:rPr>
-              <a:t>Overview of Seaborn</a:t>
-            </a:r>
+              <a:t>Series &amp; </a:t>
+            </a:r>
+            <a:r>
+              <a:rPr lang="en-US" sz="2400" b="1" dirty="0" err="1">
+                <a:latin typeface="Arial" pitchFamily="34" charset="0"/>
+                <a:cs typeface="Arial" pitchFamily="34" charset="0"/>
+              </a:rPr>
+              <a:t>DataFrames</a:t>
+            </a:r>
+            <a:endParaRPr lang="en-US" sz="2400" b="1" dirty="0">
+              <a:latin typeface="Arial" pitchFamily="34" charset="0"/>
+              <a:cs typeface="Arial" pitchFamily="34" charset="0"/>
+            </a:endParaRPr>
           </a:p>
           <a:p>
             <a:pPr marL="342900" indent="-342900">
@@ -5252,7 +5171,7 @@
                 <a:latin typeface="Arial" pitchFamily="34" charset="0"/>
                 <a:cs typeface="Arial" pitchFamily="34" charset="0"/>
               </a:rPr>
-              <a:t>Distribution Plots: KDE Plots, Box Plots</a:t>
+              <a:t>Data Loading, Storage, and File Formats</a:t>
             </a:r>
           </a:p>
           <a:p>
@@ -5265,7 +5184,7 @@
                 <a:latin typeface="Arial" pitchFamily="34" charset="0"/>
                 <a:cs typeface="Arial" pitchFamily="34" charset="0"/>
               </a:rPr>
-              <a:t>Relational Plots: Scatter Plots, Line Plots, Pair Plots</a:t>
+              <a:t>Indexing and Selecting Data</a:t>
             </a:r>
           </a:p>
           <a:p>
@@ -5278,7 +5197,7 @@
                 <a:latin typeface="Arial" pitchFamily="34" charset="0"/>
                 <a:cs typeface="Arial" pitchFamily="34" charset="0"/>
               </a:rPr>
-              <a:t>Categorical Plots: Bar Plots, Count Plots, Violin Plots</a:t>
+              <a:t>Handling Missing Data</a:t>
             </a:r>
           </a:p>
         </p:txBody>
@@ -5286,7 +5205,7 @@
     </p:spTree>
     <p:extLst>
       <p:ext uri="{BB962C8B-B14F-4D97-AF65-F5344CB8AC3E}">
-        <p14:creationId xmlns:p14="http://schemas.microsoft.com/office/powerpoint/2010/main" val="3286973216"/>
+        <p14:creationId xmlns:p14="http://schemas.microsoft.com/office/powerpoint/2010/main" val="1348487136"/>
       </p:ext>
     </p:extLst>
   </p:cSld>
@@ -5321,8 +5240,8 @@
         </p:nvSpPr>
         <p:spPr>
           <a:xfrm>
-            <a:off x="715972" y="1659285"/>
-            <a:ext cx="6066567" cy="3539430"/>
+            <a:off x="816666" y="1712551"/>
+            <a:ext cx="10558668" cy="2800767"/>
           </a:xfrm>
           <a:prstGeom prst="rect">
             <a:avLst/>
@@ -5336,23 +5255,34 @@
           <a:lstStyle/>
           <a:p>
             <a:r>
-              <a:rPr lang="en-US" sz="3200" b="1" dirty="0">
+              <a:rPr lang="en-US" sz="4400" b="1" dirty="0"/>
+              <a:t>“To </a:t>
+            </a:r>
+            <a:r>
+              <a:rPr lang="en-US" sz="4400" b="1" dirty="0">
                 <a:solidFill>
                   <a:srgbClr val="FF0000"/>
                 </a:solidFill>
-                <a:latin typeface="Arial" pitchFamily="34" charset="0"/>
-                <a:cs typeface="Arial" pitchFamily="34" charset="0"/>
-              </a:rPr>
-              <a:t>Data Science </a:t>
-            </a:r>
-            <a:r>
-              <a:rPr lang="en-US" sz="3200" b="1" dirty="0">
-                <a:latin typeface="Arial" pitchFamily="34" charset="0"/>
-                <a:cs typeface="Arial" pitchFamily="34" charset="0"/>
-              </a:rPr>
-              <a:t>is a multidisciplinary field that combines statistical analysis, computer science, and domain-specific knowledge to extract meaningful insights from data.</a:t>
-            </a:r>
-            <a:endParaRPr lang="en-PH" sz="3200" b="1" dirty="0">
+              </a:rPr>
+              <a:t>understand</a:t>
+            </a:r>
+            <a:r>
+              <a:rPr lang="en-US" sz="4400" b="1" dirty="0"/>
+              <a:t> data is to possess the lens through which the world reveals its patterns, behaviors, and </a:t>
+            </a:r>
+            <a:r>
+              <a:rPr lang="en-US" sz="4400" b="1" dirty="0">
+                <a:solidFill>
+                  <a:srgbClr val="FF0000"/>
+                </a:solidFill>
+              </a:rPr>
+              <a:t>truths</a:t>
+            </a:r>
+            <a:r>
+              <a:rPr lang="en-US" sz="4400" b="1" dirty="0"/>
+              <a:t> in the language of numbers.”</a:t>
+            </a:r>
+            <a:endParaRPr lang="en-PH" sz="4400" b="1" dirty="0">
               <a:latin typeface="Arial" pitchFamily="34" charset="0"/>
               <a:cs typeface="Arial" pitchFamily="34" charset="0"/>
             </a:endParaRPr>
@@ -5362,7 +5292,7 @@
     </p:spTree>
     <p:extLst>
       <p:ext uri="{BB962C8B-B14F-4D97-AF65-F5344CB8AC3E}">
-        <p14:creationId xmlns:p14="http://schemas.microsoft.com/office/powerpoint/2010/main" val="3807229764"/>
+        <p14:creationId xmlns:p14="http://schemas.microsoft.com/office/powerpoint/2010/main" val="196065846"/>
       </p:ext>
     </p:extLst>
   </p:cSld>
@@ -5398,7 +5328,7 @@
         <p:spPr>
           <a:xfrm>
             <a:off x="443883" y="1259789"/>
-            <a:ext cx="11390051" cy="2123658"/>
+            <a:ext cx="11390051" cy="2492990"/>
           </a:xfrm>
           <a:prstGeom prst="rect">
             <a:avLst/>
@@ -5416,21 +5346,7 @@
                 <a:latin typeface="Arial" pitchFamily="34" charset="0"/>
                 <a:cs typeface="Arial" pitchFamily="34" charset="0"/>
               </a:rPr>
-              <a:t>Week 14 (</a:t>
-            </a:r>
-            <a:r>
-              <a:rPr lang="en-US" sz="3600" b="1" dirty="0" err="1">
-                <a:latin typeface="Arial" pitchFamily="34" charset="0"/>
-                <a:cs typeface="Arial" pitchFamily="34" charset="0"/>
-              </a:rPr>
-              <a:t>GeoSpatial</a:t>
-            </a:r>
-            <a:r>
-              <a:rPr lang="en-US" sz="3600" b="1" dirty="0">
-                <a:latin typeface="Arial" pitchFamily="34" charset="0"/>
-                <a:cs typeface="Arial" pitchFamily="34" charset="0"/>
-              </a:rPr>
-              <a:t> Data Visualization)</a:t>
+              <a:t>Week 4 (Data Manipulation with Pandas)</a:t>
             </a:r>
           </a:p>
           <a:p>
@@ -5445,32 +5361,25 @@
               <a:buChar char="-"/>
             </a:pPr>
             <a:r>
+              <a:rPr lang="en-US" sz="2400" b="1" dirty="0" err="1">
+                <a:latin typeface="Arial" pitchFamily="34" charset="0"/>
+                <a:cs typeface="Arial" pitchFamily="34" charset="0"/>
+              </a:rPr>
+              <a:t>DataFrame</a:t>
+            </a:r>
+            <a:r>
               <a:rPr lang="en-US" sz="2400" b="1" dirty="0">
                 <a:latin typeface="Arial" pitchFamily="34" charset="0"/>
                 <a:cs typeface="Arial" pitchFamily="34" charset="0"/>
               </a:rPr>
-              <a:t>Overview of </a:t>
+              <a:t> Operations: Merging, Joining, Concatenating, and </a:t>
             </a:r>
             <a:r>
               <a:rPr lang="en-US" sz="2400" b="1" dirty="0" err="1">
                 <a:latin typeface="Arial" pitchFamily="34" charset="0"/>
                 <a:cs typeface="Arial" pitchFamily="34" charset="0"/>
               </a:rPr>
-              <a:t>GeoSpatial</a:t>
-            </a:r>
-            <a:r>
-              <a:rPr lang="en-US" sz="2400" b="1" dirty="0">
-                <a:latin typeface="Arial" pitchFamily="34" charset="0"/>
-                <a:cs typeface="Arial" pitchFamily="34" charset="0"/>
-              </a:rPr>
-              <a:t> Data and </a:t>
-            </a:r>
-            <a:r>
-              <a:rPr lang="en-US" sz="2400" b="1" dirty="0" err="1">
-                <a:latin typeface="Arial" pitchFamily="34" charset="0"/>
-                <a:cs typeface="Arial" pitchFamily="34" charset="0"/>
-              </a:rPr>
-              <a:t>GeoPandas</a:t>
+              <a:t>Resphaping</a:t>
             </a:r>
             <a:endParaRPr lang="en-US" sz="2400" b="1" dirty="0">
               <a:latin typeface="Arial" pitchFamily="34" charset="0"/>
@@ -5483,23 +5392,19 @@
               <a:buChar char="-"/>
             </a:pPr>
             <a:r>
+              <a:rPr lang="en-US" sz="2400" b="1" dirty="0" err="1">
+                <a:latin typeface="Arial" pitchFamily="34" charset="0"/>
+                <a:cs typeface="Arial" pitchFamily="34" charset="0"/>
+              </a:rPr>
+              <a:t>GroupBy</a:t>
+            </a:r>
+            <a:r>
               <a:rPr lang="en-US" sz="2400" b="1" dirty="0">
                 <a:latin typeface="Arial" pitchFamily="34" charset="0"/>
                 <a:cs typeface="Arial" pitchFamily="34" charset="0"/>
               </a:rPr>
-              <a:t>Shapefiles and </a:t>
-            </a:r>
-            <a:r>
-              <a:rPr lang="en-US" sz="2400" b="1" dirty="0" err="1">
-                <a:latin typeface="Arial" pitchFamily="34" charset="0"/>
-                <a:cs typeface="Arial" pitchFamily="34" charset="0"/>
-              </a:rPr>
-              <a:t>GeoJSON</a:t>
-            </a:r>
-            <a:endParaRPr lang="en-US" sz="2400" b="1" dirty="0">
-              <a:latin typeface="Arial" pitchFamily="34" charset="0"/>
-              <a:cs typeface="Arial" pitchFamily="34" charset="0"/>
-            </a:endParaRPr>
+              <a:t> Operations and Aggregations</a:t>
+            </a:r>
           </a:p>
           <a:p>
             <a:pPr marL="342900" indent="-342900">
@@ -5511,21 +5416,20 @@
                 <a:latin typeface="Arial" pitchFamily="34" charset="0"/>
                 <a:cs typeface="Arial" pitchFamily="34" charset="0"/>
               </a:rPr>
-              <a:t>Plotting Geospatial with </a:t>
-            </a:r>
-            <a:r>
-              <a:rPr lang="en-US" sz="2400" b="1" dirty="0" err="1">
-                <a:latin typeface="Arial" pitchFamily="34" charset="0"/>
-                <a:cs typeface="Arial" pitchFamily="34" charset="0"/>
-              </a:rPr>
-              <a:t>GeoPandas</a:t>
-            </a:r>
+              <a:t>Functions: Mapping, Applying, and Vectorizing</a:t>
+            </a:r>
+          </a:p>
+          <a:p>
+            <a:pPr marL="342900" indent="-342900">
+              <a:buFontTx/>
+              <a:buChar char="-"/>
+            </a:pPr>
             <a:r>
               <a:rPr lang="en-US" sz="2400" b="1" dirty="0">
                 <a:latin typeface="Arial" pitchFamily="34" charset="0"/>
                 <a:cs typeface="Arial" pitchFamily="34" charset="0"/>
               </a:rPr>
-              <a:t> and Folium</a:t>
+              <a:t>Handling Time Series Data with Pandas</a:t>
             </a:r>
           </a:p>
         </p:txBody>
@@ -5533,7 +5437,7 @@
     </p:spTree>
     <p:extLst>
       <p:ext uri="{BB962C8B-B14F-4D97-AF65-F5344CB8AC3E}">
-        <p14:creationId xmlns:p14="http://schemas.microsoft.com/office/powerpoint/2010/main" val="3097104802"/>
+        <p14:creationId xmlns:p14="http://schemas.microsoft.com/office/powerpoint/2010/main" val="3162777755"/>
       </p:ext>
     </p:extLst>
   </p:cSld>
@@ -5569,7 +5473,7 @@
         <p:spPr>
           <a:xfrm>
             <a:off x="443883" y="1259789"/>
-            <a:ext cx="11390051" cy="2123658"/>
+            <a:ext cx="11390051" cy="2492990"/>
           </a:xfrm>
           <a:prstGeom prst="rect">
             <a:avLst/>
@@ -5587,7 +5491,7 @@
                 <a:latin typeface="Arial" pitchFamily="34" charset="0"/>
                 <a:cs typeface="Arial" pitchFamily="34" charset="0"/>
               </a:rPr>
-              <a:t>Week 15 (Interactive Data Visualizations)</a:t>
+              <a:t>Week 5 (Data Cleaning &amp; Preprocessing)</a:t>
             </a:r>
           </a:p>
           <a:p>
@@ -5606,7 +5510,7 @@
                 <a:latin typeface="Arial" pitchFamily="34" charset="0"/>
                 <a:cs typeface="Arial" pitchFamily="34" charset="0"/>
               </a:rPr>
-              <a:t>Dashboards and Reports</a:t>
+              <a:t>Data Cleaning: Duplicates, Inconsistencies, and Outliers</a:t>
             </a:r>
           </a:p>
           <a:p>
@@ -5619,7 +5523,7 @@
                 <a:latin typeface="Arial" pitchFamily="34" charset="0"/>
                 <a:cs typeface="Arial" pitchFamily="34" charset="0"/>
               </a:rPr>
-              <a:t>Best Practices for Effective Data Visualization</a:t>
+              <a:t>Data Transformation: Scaling, Normalization, and Encoding</a:t>
             </a:r>
           </a:p>
           <a:p>
@@ -5632,15 +5536,39 @@
                 <a:latin typeface="Arial" pitchFamily="34" charset="0"/>
                 <a:cs typeface="Arial" pitchFamily="34" charset="0"/>
               </a:rPr>
-              <a:t>End-to-End Data Science Pipeline Project</a:t>
-            </a:r>
+              <a:t>Working with Text Data in Pandas</a:t>
+            </a:r>
+          </a:p>
+          <a:p>
+            <a:pPr marL="342900" indent="-342900">
+              <a:buFontTx/>
+              <a:buChar char="-"/>
+            </a:pPr>
+            <a:r>
+              <a:rPr lang="en-US" sz="2400" b="1" dirty="0">
+                <a:latin typeface="Arial" pitchFamily="34" charset="0"/>
+                <a:cs typeface="Arial" pitchFamily="34" charset="0"/>
+              </a:rPr>
+              <a:t>Handling Missing Data for </a:t>
+            </a:r>
+            <a:r>
+              <a:rPr lang="en-US" sz="2400" b="1" dirty="0" err="1">
+                <a:latin typeface="Arial" pitchFamily="34" charset="0"/>
+                <a:cs typeface="Arial" pitchFamily="34" charset="0"/>
+              </a:rPr>
+              <a:t>DataFrames</a:t>
+            </a:r>
+            <a:endParaRPr lang="en-US" sz="2400" b="1" dirty="0">
+              <a:latin typeface="Arial" pitchFamily="34" charset="0"/>
+              <a:cs typeface="Arial" pitchFamily="34" charset="0"/>
+            </a:endParaRPr>
           </a:p>
         </p:txBody>
       </p:sp>
     </p:spTree>
     <p:extLst>
       <p:ext uri="{BB962C8B-B14F-4D97-AF65-F5344CB8AC3E}">
-        <p14:creationId xmlns:p14="http://schemas.microsoft.com/office/powerpoint/2010/main" val="4257937412"/>
+        <p14:creationId xmlns:p14="http://schemas.microsoft.com/office/powerpoint/2010/main" val="1553192981"/>
       </p:ext>
     </p:extLst>
   </p:cSld>
@@ -5669,14 +5597,14 @@
       </p:grpSpPr>
       <p:sp>
         <p:nvSpPr>
-          <p:cNvPr id="6" name="TextBox 5"/>
+          <p:cNvPr id="4" name="TextBox 3"/>
           <p:cNvSpPr txBox="1"/>
           <p:nvPr/>
         </p:nvSpPr>
         <p:spPr>
           <a:xfrm>
-            <a:off x="721364" y="2562078"/>
-            <a:ext cx="10749281" cy="830997"/>
+            <a:off x="443883" y="1259789"/>
+            <a:ext cx="11390051" cy="2492990"/>
           </a:xfrm>
           <a:prstGeom prst="rect">
             <a:avLst/>
@@ -5689,35 +5617,878 @@
           </a:bodyPr>
           <a:lstStyle/>
           <a:p>
-            <a:pPr algn="ctr"/>
-            <a:r>
-              <a:rPr lang="en-US" sz="4800" b="1" dirty="0">
-                <a:latin typeface="Arial" pitchFamily="34" charset="0"/>
-                <a:cs typeface="Arial" pitchFamily="34" charset="0"/>
-              </a:rPr>
-              <a:t>Thank you very much for listening</a:t>
-            </a:r>
-            <a:r>
-              <a:rPr lang="en-US" sz="3200" b="1" dirty="0">
-                <a:latin typeface="Arial" pitchFamily="34" charset="0"/>
-                <a:cs typeface="Arial" pitchFamily="34" charset="0"/>
-              </a:rPr>
-              <a:t>.</a:t>
-            </a:r>
-            <a:endParaRPr lang="en-US" sz="3200" b="1" dirty="0">
-              <a:solidFill>
-                <a:schemeClr val="accent2"/>
-              </a:solidFill>
+            <a:r>
+              <a:rPr lang="en-US" sz="3600" b="1" dirty="0">
+                <a:latin typeface="Arial" pitchFamily="34" charset="0"/>
+                <a:cs typeface="Arial" pitchFamily="34" charset="0"/>
+              </a:rPr>
+              <a:t>Week 6 (Introduction to Data Wrangling)</a:t>
+            </a:r>
+          </a:p>
+          <a:p>
+            <a:endParaRPr lang="en-US" sz="2400" b="1" dirty="0">
               <a:latin typeface="Arial" pitchFamily="34" charset="0"/>
               <a:cs typeface="Arial" pitchFamily="34" charset="0"/>
             </a:endParaRPr>
           </a:p>
+          <a:p>
+            <a:pPr marL="342900" indent="-342900">
+              <a:buFontTx/>
+              <a:buChar char="-"/>
+            </a:pPr>
+            <a:r>
+              <a:rPr lang="en-US" sz="2400" b="1" dirty="0">
+                <a:latin typeface="Arial" pitchFamily="34" charset="0"/>
+                <a:cs typeface="Arial" pitchFamily="34" charset="0"/>
+              </a:rPr>
+              <a:t>Data Wrangling Fundamentals</a:t>
+            </a:r>
+          </a:p>
+          <a:p>
+            <a:pPr marL="342900" indent="-342900">
+              <a:buFontTx/>
+              <a:buChar char="-"/>
+            </a:pPr>
+            <a:r>
+              <a:rPr lang="en-US" sz="2400" b="1" dirty="0">
+                <a:latin typeface="Arial" pitchFamily="34" charset="0"/>
+                <a:cs typeface="Arial" pitchFamily="34" charset="0"/>
+              </a:rPr>
+              <a:t>Data Inspection and Profiling</a:t>
+            </a:r>
+          </a:p>
+          <a:p>
+            <a:pPr marL="342900" indent="-342900">
+              <a:buFontTx/>
+              <a:buChar char="-"/>
+            </a:pPr>
+            <a:r>
+              <a:rPr lang="en-US" sz="2400" b="1" dirty="0">
+                <a:latin typeface="Arial" pitchFamily="34" charset="0"/>
+                <a:cs typeface="Arial" pitchFamily="34" charset="0"/>
+              </a:rPr>
+              <a:t>Common Data Wrangling Tasks and Challenges</a:t>
+            </a:r>
+          </a:p>
+          <a:p>
+            <a:pPr marL="342900" indent="-342900">
+              <a:buFontTx/>
+              <a:buChar char="-"/>
+            </a:pPr>
+            <a:r>
+              <a:rPr lang="en-US" sz="2400" b="1" dirty="0">
+                <a:latin typeface="Arial" pitchFamily="34" charset="0"/>
+                <a:cs typeface="Arial" pitchFamily="34" charset="0"/>
+              </a:rPr>
+              <a:t>Introduction to Regular Expressions for Data Cleaning</a:t>
+            </a:r>
+          </a:p>
         </p:txBody>
       </p:sp>
     </p:spTree>
     <p:extLst>
       <p:ext uri="{BB962C8B-B14F-4D97-AF65-F5344CB8AC3E}">
-        <p14:creationId xmlns:p14="http://schemas.microsoft.com/office/powerpoint/2010/main" val="1328378833"/>
+        <p14:creationId xmlns:p14="http://schemas.microsoft.com/office/powerpoint/2010/main" val="535670495"/>
+      </p:ext>
+    </p:extLst>
+  </p:cSld>
+  <p:clrMapOvr>
+    <a:masterClrMapping/>
+  </p:clrMapOvr>
+</p:sld>
+</file>
+
+<file path=ppt/slides/slide23.xml><?xml version="1.0" encoding="utf-8"?>
+<p:sld xmlns:a="http://schemas.openxmlformats.org/drawingml/2006/main" xmlns:r="http://schemas.openxmlformats.org/officeDocument/2006/relationships" xmlns:p="http://schemas.openxmlformats.org/presentationml/2006/main">
+  <p:cSld>
+    <p:spTree>
+      <p:nvGrpSpPr>
+        <p:cNvPr id="1" name=""/>
+        <p:cNvGrpSpPr/>
+        <p:nvPr/>
+      </p:nvGrpSpPr>
+      <p:grpSpPr>
+        <a:xfrm>
+          <a:off x="0" y="0"/>
+          <a:ext cx="0" cy="0"/>
+          <a:chOff x="0" y="0"/>
+          <a:chExt cx="0" cy="0"/>
+        </a:xfrm>
+      </p:grpSpPr>
+      <p:sp>
+        <p:nvSpPr>
+          <p:cNvPr id="4" name="TextBox 3"/>
+          <p:cNvSpPr txBox="1"/>
+          <p:nvPr/>
+        </p:nvSpPr>
+        <p:spPr>
+          <a:xfrm>
+            <a:off x="443883" y="1259789"/>
+            <a:ext cx="11390051" cy="2492990"/>
+          </a:xfrm>
+          <a:prstGeom prst="rect">
+            <a:avLst/>
+          </a:prstGeom>
+          <a:noFill/>
+        </p:spPr>
+        <p:txBody>
+          <a:bodyPr wrap="square" rtlCol="0">
+            <a:spAutoFit/>
+          </a:bodyPr>
+          <a:lstStyle/>
+          <a:p>
+            <a:r>
+              <a:rPr lang="en-US" sz="3600" b="1" dirty="0">
+                <a:latin typeface="Arial" pitchFamily="34" charset="0"/>
+                <a:cs typeface="Arial" pitchFamily="34" charset="0"/>
+              </a:rPr>
+              <a:t>Week 7 (Data Wrangling Techniques)</a:t>
+            </a:r>
+          </a:p>
+          <a:p>
+            <a:endParaRPr lang="en-US" sz="2400" b="1" dirty="0">
+              <a:latin typeface="Arial" pitchFamily="34" charset="0"/>
+              <a:cs typeface="Arial" pitchFamily="34" charset="0"/>
+            </a:endParaRPr>
+          </a:p>
+          <a:p>
+            <a:pPr marL="342900" indent="-342900">
+              <a:buFontTx/>
+              <a:buChar char="-"/>
+            </a:pPr>
+            <a:r>
+              <a:rPr lang="en-US" sz="2400" b="1" dirty="0">
+                <a:latin typeface="Arial" pitchFamily="34" charset="0"/>
+                <a:cs typeface="Arial" pitchFamily="34" charset="0"/>
+              </a:rPr>
+              <a:t>Imputation Techniques</a:t>
+            </a:r>
+          </a:p>
+          <a:p>
+            <a:pPr marL="342900" indent="-342900">
+              <a:buFontTx/>
+              <a:buChar char="-"/>
+            </a:pPr>
+            <a:r>
+              <a:rPr lang="en-US" sz="2400" b="1" dirty="0">
+                <a:latin typeface="Arial" pitchFamily="34" charset="0"/>
+                <a:cs typeface="Arial" pitchFamily="34" charset="0"/>
+              </a:rPr>
+              <a:t>Combining and Reshaping Datasets</a:t>
+            </a:r>
+          </a:p>
+          <a:p>
+            <a:pPr marL="342900" indent="-342900">
+              <a:buFontTx/>
+              <a:buChar char="-"/>
+            </a:pPr>
+            <a:r>
+              <a:rPr lang="en-US" sz="2400" b="1" dirty="0">
+                <a:latin typeface="Arial" pitchFamily="34" charset="0"/>
+                <a:cs typeface="Arial" pitchFamily="34" charset="0"/>
+              </a:rPr>
+              <a:t>Outlier Treatment</a:t>
+            </a:r>
+          </a:p>
+          <a:p>
+            <a:pPr marL="342900" indent="-342900">
+              <a:buFontTx/>
+              <a:buChar char="-"/>
+            </a:pPr>
+            <a:r>
+              <a:rPr lang="en-US" sz="2400" b="1" dirty="0">
+                <a:latin typeface="Arial" pitchFamily="34" charset="0"/>
+                <a:cs typeface="Arial" pitchFamily="34" charset="0"/>
+              </a:rPr>
+              <a:t>Feature Engineering for Data Science</a:t>
+            </a:r>
+          </a:p>
+        </p:txBody>
+      </p:sp>
+    </p:spTree>
+    <p:extLst>
+      <p:ext uri="{BB962C8B-B14F-4D97-AF65-F5344CB8AC3E}">
+        <p14:creationId xmlns:p14="http://schemas.microsoft.com/office/powerpoint/2010/main" val="4218240463"/>
+      </p:ext>
+    </p:extLst>
+  </p:cSld>
+  <p:clrMapOvr>
+    <a:masterClrMapping/>
+  </p:clrMapOvr>
+</p:sld>
+</file>
+
+<file path=ppt/slides/slide24.xml><?xml version="1.0" encoding="utf-8"?>
+<p:sld xmlns:a="http://schemas.openxmlformats.org/drawingml/2006/main" xmlns:r="http://schemas.openxmlformats.org/officeDocument/2006/relationships" xmlns:p="http://schemas.openxmlformats.org/presentationml/2006/main">
+  <p:cSld>
+    <p:spTree>
+      <p:nvGrpSpPr>
+        <p:cNvPr id="1" name=""/>
+        <p:cNvGrpSpPr/>
+        <p:nvPr/>
+      </p:nvGrpSpPr>
+      <p:grpSpPr>
+        <a:xfrm>
+          <a:off x="0" y="0"/>
+          <a:ext cx="0" cy="0"/>
+          <a:chOff x="0" y="0"/>
+          <a:chExt cx="0" cy="0"/>
+        </a:xfrm>
+      </p:grpSpPr>
+      <p:sp>
+        <p:nvSpPr>
+          <p:cNvPr id="4" name="TextBox 3"/>
+          <p:cNvSpPr txBox="1"/>
+          <p:nvPr/>
+        </p:nvSpPr>
+        <p:spPr>
+          <a:xfrm>
+            <a:off x="443883" y="1259789"/>
+            <a:ext cx="11390051" cy="1754326"/>
+          </a:xfrm>
+          <a:prstGeom prst="rect">
+            <a:avLst/>
+          </a:prstGeom>
+          <a:noFill/>
+        </p:spPr>
+        <p:txBody>
+          <a:bodyPr wrap="square" rtlCol="0">
+            <a:spAutoFit/>
+          </a:bodyPr>
+          <a:lstStyle/>
+          <a:p>
+            <a:r>
+              <a:rPr lang="en-US" sz="3600" b="1" dirty="0">
+                <a:latin typeface="Arial" pitchFamily="34" charset="0"/>
+                <a:cs typeface="Arial" pitchFamily="34" charset="0"/>
+              </a:rPr>
+              <a:t>Week 8 (Data Extraction)</a:t>
+            </a:r>
+          </a:p>
+          <a:p>
+            <a:endParaRPr lang="en-US" sz="2400" b="1" dirty="0">
+              <a:latin typeface="Arial" pitchFamily="34" charset="0"/>
+              <a:cs typeface="Arial" pitchFamily="34" charset="0"/>
+            </a:endParaRPr>
+          </a:p>
+          <a:p>
+            <a:pPr marL="342900" indent="-342900">
+              <a:buFontTx/>
+              <a:buChar char="-"/>
+            </a:pPr>
+            <a:r>
+              <a:rPr lang="en-US" sz="2400" b="1" dirty="0">
+                <a:latin typeface="Arial" pitchFamily="34" charset="0"/>
+                <a:cs typeface="Arial" pitchFamily="34" charset="0"/>
+              </a:rPr>
+              <a:t>Extracting Data using Native Python</a:t>
+            </a:r>
+          </a:p>
+          <a:p>
+            <a:pPr marL="342900" indent="-342900">
+              <a:buFontTx/>
+              <a:buChar char="-"/>
+            </a:pPr>
+            <a:r>
+              <a:rPr lang="en-US" sz="2400" b="1" dirty="0">
+                <a:latin typeface="Arial" pitchFamily="34" charset="0"/>
+                <a:cs typeface="Arial" pitchFamily="34" charset="0"/>
+              </a:rPr>
+              <a:t>Extraction using SQL</a:t>
+            </a:r>
+          </a:p>
+        </p:txBody>
+      </p:sp>
+    </p:spTree>
+    <p:extLst>
+      <p:ext uri="{BB962C8B-B14F-4D97-AF65-F5344CB8AC3E}">
+        <p14:creationId xmlns:p14="http://schemas.microsoft.com/office/powerpoint/2010/main" val="283928878"/>
+      </p:ext>
+    </p:extLst>
+  </p:cSld>
+  <p:clrMapOvr>
+    <a:masterClrMapping/>
+  </p:clrMapOvr>
+</p:sld>
+</file>
+
+<file path=ppt/slides/slide25.xml><?xml version="1.0" encoding="utf-8"?>
+<p:sld xmlns:a="http://schemas.openxmlformats.org/drawingml/2006/main" xmlns:r="http://schemas.openxmlformats.org/officeDocument/2006/relationships" xmlns:p="http://schemas.openxmlformats.org/presentationml/2006/main">
+  <p:cSld>
+    <p:spTree>
+      <p:nvGrpSpPr>
+        <p:cNvPr id="1" name=""/>
+        <p:cNvGrpSpPr/>
+        <p:nvPr/>
+      </p:nvGrpSpPr>
+      <p:grpSpPr>
+        <a:xfrm>
+          <a:off x="0" y="0"/>
+          <a:ext cx="0" cy="0"/>
+          <a:chOff x="0" y="0"/>
+          <a:chExt cx="0" cy="0"/>
+        </a:xfrm>
+      </p:grpSpPr>
+      <p:sp>
+        <p:nvSpPr>
+          <p:cNvPr id="4" name="TextBox 3"/>
+          <p:cNvSpPr txBox="1"/>
+          <p:nvPr/>
+        </p:nvSpPr>
+        <p:spPr>
+          <a:xfrm>
+            <a:off x="443883" y="1259789"/>
+            <a:ext cx="11390051" cy="2492990"/>
+          </a:xfrm>
+          <a:prstGeom prst="rect">
+            <a:avLst/>
+          </a:prstGeom>
+          <a:noFill/>
+        </p:spPr>
+        <p:txBody>
+          <a:bodyPr wrap="square" rtlCol="0">
+            <a:spAutoFit/>
+          </a:bodyPr>
+          <a:lstStyle/>
+          <a:p>
+            <a:r>
+              <a:rPr lang="en-US" sz="3600" b="1" dirty="0">
+                <a:latin typeface="Arial" pitchFamily="34" charset="0"/>
+                <a:cs typeface="Arial" pitchFamily="34" charset="0"/>
+              </a:rPr>
+              <a:t>Week 9 (Web Scraping)</a:t>
+            </a:r>
+          </a:p>
+          <a:p>
+            <a:endParaRPr lang="en-US" sz="2400" b="1" dirty="0">
+              <a:latin typeface="Arial" pitchFamily="34" charset="0"/>
+              <a:cs typeface="Arial" pitchFamily="34" charset="0"/>
+            </a:endParaRPr>
+          </a:p>
+          <a:p>
+            <a:pPr marL="342900" indent="-342900">
+              <a:buFontTx/>
+              <a:buChar char="-"/>
+            </a:pPr>
+            <a:r>
+              <a:rPr lang="en-US" sz="2400" b="1" dirty="0">
+                <a:latin typeface="Arial" pitchFamily="34" charset="0"/>
+                <a:cs typeface="Arial" pitchFamily="34" charset="0"/>
+              </a:rPr>
+              <a:t>Introduction to Web Scraping</a:t>
+            </a:r>
+          </a:p>
+          <a:p>
+            <a:pPr marL="342900" indent="-342900">
+              <a:buFontTx/>
+              <a:buChar char="-"/>
+            </a:pPr>
+            <a:r>
+              <a:rPr lang="en-US" sz="2400" b="1" dirty="0">
+                <a:latin typeface="Arial" pitchFamily="34" charset="0"/>
+                <a:cs typeface="Arial" pitchFamily="34" charset="0"/>
+              </a:rPr>
+              <a:t>Tools: </a:t>
+            </a:r>
+            <a:r>
+              <a:rPr lang="en-US" sz="2400" b="1" dirty="0" err="1">
+                <a:latin typeface="Arial" pitchFamily="34" charset="0"/>
+                <a:cs typeface="Arial" pitchFamily="34" charset="0"/>
+              </a:rPr>
+              <a:t>BeautifulSoup</a:t>
+            </a:r>
+            <a:r>
+              <a:rPr lang="en-US" sz="2400" b="1" dirty="0">
+                <a:latin typeface="Arial" pitchFamily="34" charset="0"/>
+                <a:cs typeface="Arial" pitchFamily="34" charset="0"/>
+              </a:rPr>
+              <a:t>, etc.</a:t>
+            </a:r>
+          </a:p>
+          <a:p>
+            <a:pPr marL="342900" indent="-342900">
+              <a:buFontTx/>
+              <a:buChar char="-"/>
+            </a:pPr>
+            <a:r>
+              <a:rPr lang="en-US" sz="2400" b="1" dirty="0">
+                <a:latin typeface="Arial" pitchFamily="34" charset="0"/>
+                <a:cs typeface="Arial" pitchFamily="34" charset="0"/>
+              </a:rPr>
+              <a:t>Parsing HTML and XML data</a:t>
+            </a:r>
+          </a:p>
+          <a:p>
+            <a:pPr marL="342900" indent="-342900">
+              <a:buFontTx/>
+              <a:buChar char="-"/>
+            </a:pPr>
+            <a:r>
+              <a:rPr lang="en-US" sz="2400" b="1" dirty="0">
+                <a:latin typeface="Arial" pitchFamily="34" charset="0"/>
+                <a:cs typeface="Arial" pitchFamily="34" charset="0"/>
+              </a:rPr>
+              <a:t>Ethical Considerations and Legal Issues in Web Scraping</a:t>
+            </a:r>
+          </a:p>
+        </p:txBody>
+      </p:sp>
+    </p:spTree>
+    <p:extLst>
+      <p:ext uri="{BB962C8B-B14F-4D97-AF65-F5344CB8AC3E}">
+        <p14:creationId xmlns:p14="http://schemas.microsoft.com/office/powerpoint/2010/main" val="3165595327"/>
+      </p:ext>
+    </p:extLst>
+  </p:cSld>
+  <p:clrMapOvr>
+    <a:masterClrMapping/>
+  </p:clrMapOvr>
+</p:sld>
+</file>
+
+<file path=ppt/slides/slide26.xml><?xml version="1.0" encoding="utf-8"?>
+<p:sld xmlns:a="http://schemas.openxmlformats.org/drawingml/2006/main" xmlns:r="http://schemas.openxmlformats.org/officeDocument/2006/relationships" xmlns:p="http://schemas.openxmlformats.org/presentationml/2006/main">
+  <p:cSld>
+    <p:spTree>
+      <p:nvGrpSpPr>
+        <p:cNvPr id="1" name=""/>
+        <p:cNvGrpSpPr/>
+        <p:nvPr/>
+      </p:nvGrpSpPr>
+      <p:grpSpPr>
+        <a:xfrm>
+          <a:off x="0" y="0"/>
+          <a:ext cx="0" cy="0"/>
+          <a:chOff x="0" y="0"/>
+          <a:chExt cx="0" cy="0"/>
+        </a:xfrm>
+      </p:grpSpPr>
+      <p:sp>
+        <p:nvSpPr>
+          <p:cNvPr id="4" name="TextBox 3"/>
+          <p:cNvSpPr txBox="1"/>
+          <p:nvPr/>
+        </p:nvSpPr>
+        <p:spPr>
+          <a:xfrm>
+            <a:off x="443883" y="1259789"/>
+            <a:ext cx="11390051" cy="2123658"/>
+          </a:xfrm>
+          <a:prstGeom prst="rect">
+            <a:avLst/>
+          </a:prstGeom>
+          <a:noFill/>
+        </p:spPr>
+        <p:txBody>
+          <a:bodyPr wrap="square" rtlCol="0">
+            <a:spAutoFit/>
+          </a:bodyPr>
+          <a:lstStyle/>
+          <a:p>
+            <a:r>
+              <a:rPr lang="en-US" sz="3600" b="1" dirty="0">
+                <a:latin typeface="Arial" pitchFamily="34" charset="0"/>
+                <a:cs typeface="Arial" pitchFamily="34" charset="0"/>
+              </a:rPr>
+              <a:t>Week 10 (Exploratory Data Analysis)</a:t>
+            </a:r>
+          </a:p>
+          <a:p>
+            <a:endParaRPr lang="en-US" sz="2400" b="1" dirty="0">
+              <a:latin typeface="Arial" pitchFamily="34" charset="0"/>
+              <a:cs typeface="Arial" pitchFamily="34" charset="0"/>
+            </a:endParaRPr>
+          </a:p>
+          <a:p>
+            <a:pPr marL="342900" indent="-342900">
+              <a:buFontTx/>
+              <a:buChar char="-"/>
+            </a:pPr>
+            <a:r>
+              <a:rPr lang="en-US" sz="2400" b="1" dirty="0">
+                <a:latin typeface="Arial" pitchFamily="34" charset="0"/>
+                <a:cs typeface="Arial" pitchFamily="34" charset="0"/>
+              </a:rPr>
+              <a:t>Statistics and Distributions</a:t>
+            </a:r>
+          </a:p>
+          <a:p>
+            <a:pPr marL="342900" indent="-342900">
+              <a:buFontTx/>
+              <a:buChar char="-"/>
+            </a:pPr>
+            <a:r>
+              <a:rPr lang="en-US" sz="2400" b="1" dirty="0">
+                <a:latin typeface="Arial" pitchFamily="34" charset="0"/>
+                <a:cs typeface="Arial" pitchFamily="34" charset="0"/>
+              </a:rPr>
+              <a:t>Patterns, Anomalies, and Relationships in Data</a:t>
+            </a:r>
+          </a:p>
+          <a:p>
+            <a:pPr marL="342900" indent="-342900">
+              <a:buFontTx/>
+              <a:buChar char="-"/>
+            </a:pPr>
+            <a:r>
+              <a:rPr lang="en-US" sz="2400" b="1" dirty="0">
+                <a:latin typeface="Arial" pitchFamily="34" charset="0"/>
+                <a:cs typeface="Arial" pitchFamily="34" charset="0"/>
+              </a:rPr>
+              <a:t>Correlational Analysis</a:t>
+            </a:r>
+          </a:p>
+        </p:txBody>
+      </p:sp>
+    </p:spTree>
+    <p:extLst>
+      <p:ext uri="{BB962C8B-B14F-4D97-AF65-F5344CB8AC3E}">
+        <p14:creationId xmlns:p14="http://schemas.microsoft.com/office/powerpoint/2010/main" val="3976778351"/>
+      </p:ext>
+    </p:extLst>
+  </p:cSld>
+  <p:clrMapOvr>
+    <a:masterClrMapping/>
+  </p:clrMapOvr>
+</p:sld>
+</file>
+
+<file path=ppt/slides/slide27.xml><?xml version="1.0" encoding="utf-8"?>
+<p:sld xmlns:a="http://schemas.openxmlformats.org/drawingml/2006/main" xmlns:r="http://schemas.openxmlformats.org/officeDocument/2006/relationships" xmlns:p="http://schemas.openxmlformats.org/presentationml/2006/main">
+  <p:cSld>
+    <p:spTree>
+      <p:nvGrpSpPr>
+        <p:cNvPr id="1" name=""/>
+        <p:cNvGrpSpPr/>
+        <p:nvPr/>
+      </p:nvGrpSpPr>
+      <p:grpSpPr>
+        <a:xfrm>
+          <a:off x="0" y="0"/>
+          <a:ext cx="0" cy="0"/>
+          <a:chOff x="0" y="0"/>
+          <a:chExt cx="0" cy="0"/>
+        </a:xfrm>
+      </p:grpSpPr>
+      <p:sp>
+        <p:nvSpPr>
+          <p:cNvPr id="4" name="TextBox 3"/>
+          <p:cNvSpPr txBox="1"/>
+          <p:nvPr/>
+        </p:nvSpPr>
+        <p:spPr>
+          <a:xfrm>
+            <a:off x="443883" y="1259789"/>
+            <a:ext cx="11390051" cy="2123658"/>
+          </a:xfrm>
+          <a:prstGeom prst="rect">
+            <a:avLst/>
+          </a:prstGeom>
+          <a:noFill/>
+        </p:spPr>
+        <p:txBody>
+          <a:bodyPr wrap="square" rtlCol="0">
+            <a:spAutoFit/>
+          </a:bodyPr>
+          <a:lstStyle/>
+          <a:p>
+            <a:r>
+              <a:rPr lang="en-US" sz="3600" b="1" dirty="0">
+                <a:latin typeface="Arial" pitchFamily="34" charset="0"/>
+                <a:cs typeface="Arial" pitchFamily="34" charset="0"/>
+              </a:rPr>
+              <a:t>Week 11 (Data Visualizations – Part 1)</a:t>
+            </a:r>
+          </a:p>
+          <a:p>
+            <a:endParaRPr lang="en-US" sz="2400" b="1" dirty="0">
+              <a:latin typeface="Arial" pitchFamily="34" charset="0"/>
+              <a:cs typeface="Arial" pitchFamily="34" charset="0"/>
+            </a:endParaRPr>
+          </a:p>
+          <a:p>
+            <a:pPr marL="342900" indent="-342900">
+              <a:buFontTx/>
+              <a:buChar char="-"/>
+            </a:pPr>
+            <a:r>
+              <a:rPr lang="en-US" sz="2400" b="1" dirty="0">
+                <a:latin typeface="Arial" pitchFamily="34" charset="0"/>
+                <a:cs typeface="Arial" pitchFamily="34" charset="0"/>
+              </a:rPr>
+              <a:t>Overview of Matplotlib</a:t>
+            </a:r>
+          </a:p>
+          <a:p>
+            <a:pPr marL="342900" indent="-342900">
+              <a:buFontTx/>
+              <a:buChar char="-"/>
+            </a:pPr>
+            <a:r>
+              <a:rPr lang="en-US" sz="2400" b="1" dirty="0">
+                <a:latin typeface="Arial" pitchFamily="34" charset="0"/>
+                <a:cs typeface="Arial" pitchFamily="34" charset="0"/>
+              </a:rPr>
+              <a:t>Plots: Line plots, Bar plots, Histograms, etc.</a:t>
+            </a:r>
+          </a:p>
+          <a:p>
+            <a:pPr marL="342900" indent="-342900">
+              <a:buFontTx/>
+              <a:buChar char="-"/>
+            </a:pPr>
+            <a:r>
+              <a:rPr lang="en-US" sz="2400" b="1" dirty="0">
+                <a:latin typeface="Arial" pitchFamily="34" charset="0"/>
+                <a:cs typeface="Arial" pitchFamily="34" charset="0"/>
+              </a:rPr>
+              <a:t>Plot </a:t>
+            </a:r>
+            <a:r>
+              <a:rPr lang="en-US" sz="2400" b="1" dirty="0" err="1">
+                <a:latin typeface="Arial" pitchFamily="34" charset="0"/>
+                <a:cs typeface="Arial" pitchFamily="34" charset="0"/>
+              </a:rPr>
+              <a:t>Cusomizations</a:t>
+            </a:r>
+            <a:endParaRPr lang="en-US" sz="2400" b="1" dirty="0">
+              <a:latin typeface="Arial" pitchFamily="34" charset="0"/>
+              <a:cs typeface="Arial" pitchFamily="34" charset="0"/>
+            </a:endParaRPr>
+          </a:p>
+        </p:txBody>
+      </p:sp>
+    </p:spTree>
+    <p:extLst>
+      <p:ext uri="{BB962C8B-B14F-4D97-AF65-F5344CB8AC3E}">
+        <p14:creationId xmlns:p14="http://schemas.microsoft.com/office/powerpoint/2010/main" val="2482555688"/>
+      </p:ext>
+    </p:extLst>
+  </p:cSld>
+  <p:clrMapOvr>
+    <a:masterClrMapping/>
+  </p:clrMapOvr>
+</p:sld>
+</file>
+
+<file path=ppt/slides/slide28.xml><?xml version="1.0" encoding="utf-8"?>
+<p:sld xmlns:a="http://schemas.openxmlformats.org/drawingml/2006/main" xmlns:r="http://schemas.openxmlformats.org/officeDocument/2006/relationships" xmlns:p="http://schemas.openxmlformats.org/presentationml/2006/main">
+  <p:cSld>
+    <p:spTree>
+      <p:nvGrpSpPr>
+        <p:cNvPr id="1" name=""/>
+        <p:cNvGrpSpPr/>
+        <p:nvPr/>
+      </p:nvGrpSpPr>
+      <p:grpSpPr>
+        <a:xfrm>
+          <a:off x="0" y="0"/>
+          <a:ext cx="0" cy="0"/>
+          <a:chOff x="0" y="0"/>
+          <a:chExt cx="0" cy="0"/>
+        </a:xfrm>
+      </p:grpSpPr>
+      <p:sp>
+        <p:nvSpPr>
+          <p:cNvPr id="4" name="TextBox 3"/>
+          <p:cNvSpPr txBox="1"/>
+          <p:nvPr/>
+        </p:nvSpPr>
+        <p:spPr>
+          <a:xfrm>
+            <a:off x="443883" y="1259789"/>
+            <a:ext cx="11390051" cy="2123658"/>
+          </a:xfrm>
+          <a:prstGeom prst="rect">
+            <a:avLst/>
+          </a:prstGeom>
+          <a:noFill/>
+        </p:spPr>
+        <p:txBody>
+          <a:bodyPr wrap="square" rtlCol="0">
+            <a:spAutoFit/>
+          </a:bodyPr>
+          <a:lstStyle/>
+          <a:p>
+            <a:r>
+              <a:rPr lang="en-US" sz="3600" b="1" dirty="0">
+                <a:latin typeface="Arial" pitchFamily="34" charset="0"/>
+                <a:cs typeface="Arial" pitchFamily="34" charset="0"/>
+              </a:rPr>
+              <a:t>Week 12 (Data Visualizations – Part 2)</a:t>
+            </a:r>
+          </a:p>
+          <a:p>
+            <a:endParaRPr lang="en-US" sz="2400" b="1" dirty="0">
+              <a:latin typeface="Arial" pitchFamily="34" charset="0"/>
+              <a:cs typeface="Arial" pitchFamily="34" charset="0"/>
+            </a:endParaRPr>
+          </a:p>
+          <a:p>
+            <a:pPr marL="342900" indent="-342900">
+              <a:buFontTx/>
+              <a:buChar char="-"/>
+            </a:pPr>
+            <a:r>
+              <a:rPr lang="en-US" sz="2400" b="1" dirty="0">
+                <a:latin typeface="Arial" pitchFamily="34" charset="0"/>
+                <a:cs typeface="Arial" pitchFamily="34" charset="0"/>
+              </a:rPr>
+              <a:t>Subplots &amp; Grids</a:t>
+            </a:r>
+          </a:p>
+          <a:p>
+            <a:pPr marL="342900" indent="-342900">
+              <a:buFontTx/>
+              <a:buChar char="-"/>
+            </a:pPr>
+            <a:r>
+              <a:rPr lang="en-US" sz="2400" b="1" dirty="0">
+                <a:latin typeface="Arial" pitchFamily="34" charset="0"/>
+                <a:cs typeface="Arial" pitchFamily="34" charset="0"/>
+              </a:rPr>
+              <a:t>More Customizations</a:t>
+            </a:r>
+          </a:p>
+          <a:p>
+            <a:pPr marL="342900" indent="-342900">
+              <a:buFontTx/>
+              <a:buChar char="-"/>
+            </a:pPr>
+            <a:r>
+              <a:rPr lang="en-US" sz="2400" b="1" dirty="0">
+                <a:latin typeface="Arial" pitchFamily="34" charset="0"/>
+                <a:cs typeface="Arial" pitchFamily="34" charset="0"/>
+              </a:rPr>
+              <a:t>3D Plotting</a:t>
+            </a:r>
+          </a:p>
+        </p:txBody>
+      </p:sp>
+    </p:spTree>
+    <p:extLst>
+      <p:ext uri="{BB962C8B-B14F-4D97-AF65-F5344CB8AC3E}">
+        <p14:creationId xmlns:p14="http://schemas.microsoft.com/office/powerpoint/2010/main" val="160568227"/>
+      </p:ext>
+    </p:extLst>
+  </p:cSld>
+  <p:clrMapOvr>
+    <a:masterClrMapping/>
+  </p:clrMapOvr>
+</p:sld>
+</file>
+
+<file path=ppt/slides/slide29.xml><?xml version="1.0" encoding="utf-8"?>
+<p:sld xmlns:a="http://schemas.openxmlformats.org/drawingml/2006/main" xmlns:r="http://schemas.openxmlformats.org/officeDocument/2006/relationships" xmlns:p="http://schemas.openxmlformats.org/presentationml/2006/main">
+  <p:cSld>
+    <p:spTree>
+      <p:nvGrpSpPr>
+        <p:cNvPr id="1" name=""/>
+        <p:cNvGrpSpPr/>
+        <p:nvPr/>
+      </p:nvGrpSpPr>
+      <p:grpSpPr>
+        <a:xfrm>
+          <a:off x="0" y="0"/>
+          <a:ext cx="0" cy="0"/>
+          <a:chOff x="0" y="0"/>
+          <a:chExt cx="0" cy="0"/>
+        </a:xfrm>
+      </p:grpSpPr>
+      <p:sp>
+        <p:nvSpPr>
+          <p:cNvPr id="4" name="TextBox 3"/>
+          <p:cNvSpPr txBox="1"/>
+          <p:nvPr/>
+        </p:nvSpPr>
+        <p:spPr>
+          <a:xfrm>
+            <a:off x="443883" y="1259789"/>
+            <a:ext cx="11390051" cy="2492990"/>
+          </a:xfrm>
+          <a:prstGeom prst="rect">
+            <a:avLst/>
+          </a:prstGeom>
+          <a:noFill/>
+        </p:spPr>
+        <p:txBody>
+          <a:bodyPr wrap="square" rtlCol="0">
+            <a:spAutoFit/>
+          </a:bodyPr>
+          <a:lstStyle/>
+          <a:p>
+            <a:r>
+              <a:rPr lang="en-US" sz="3600" b="1" dirty="0">
+                <a:latin typeface="Arial" pitchFamily="34" charset="0"/>
+                <a:cs typeface="Arial" pitchFamily="34" charset="0"/>
+              </a:rPr>
+              <a:t>Week 13 (Statistical Data Visualization)</a:t>
+            </a:r>
+          </a:p>
+          <a:p>
+            <a:endParaRPr lang="en-US" sz="2400" b="1" dirty="0">
+              <a:latin typeface="Arial" pitchFamily="34" charset="0"/>
+              <a:cs typeface="Arial" pitchFamily="34" charset="0"/>
+            </a:endParaRPr>
+          </a:p>
+          <a:p>
+            <a:pPr marL="342900" indent="-342900">
+              <a:buFontTx/>
+              <a:buChar char="-"/>
+            </a:pPr>
+            <a:r>
+              <a:rPr lang="en-US" sz="2400" b="1" dirty="0">
+                <a:latin typeface="Arial" pitchFamily="34" charset="0"/>
+                <a:cs typeface="Arial" pitchFamily="34" charset="0"/>
+              </a:rPr>
+              <a:t>Overview of Seaborn</a:t>
+            </a:r>
+          </a:p>
+          <a:p>
+            <a:pPr marL="342900" indent="-342900">
+              <a:buFontTx/>
+              <a:buChar char="-"/>
+            </a:pPr>
+            <a:r>
+              <a:rPr lang="en-US" sz="2400" b="1" dirty="0">
+                <a:latin typeface="Arial" pitchFamily="34" charset="0"/>
+                <a:cs typeface="Arial" pitchFamily="34" charset="0"/>
+              </a:rPr>
+              <a:t>Distribution Plots: KDE Plots, Box Plots</a:t>
+            </a:r>
+          </a:p>
+          <a:p>
+            <a:pPr marL="342900" indent="-342900">
+              <a:buFontTx/>
+              <a:buChar char="-"/>
+            </a:pPr>
+            <a:r>
+              <a:rPr lang="en-US" sz="2400" b="1" dirty="0">
+                <a:latin typeface="Arial" pitchFamily="34" charset="0"/>
+                <a:cs typeface="Arial" pitchFamily="34" charset="0"/>
+              </a:rPr>
+              <a:t>Relational Plots: Scatter Plots, Line Plots, Pair Plots</a:t>
+            </a:r>
+          </a:p>
+          <a:p>
+            <a:pPr marL="342900" indent="-342900">
+              <a:buFontTx/>
+              <a:buChar char="-"/>
+            </a:pPr>
+            <a:r>
+              <a:rPr lang="en-US" sz="2400" b="1" dirty="0">
+                <a:latin typeface="Arial" pitchFamily="34" charset="0"/>
+                <a:cs typeface="Arial" pitchFamily="34" charset="0"/>
+              </a:rPr>
+              <a:t>Categorical Plots: Bar Plots, Count Plots, Violin Plots</a:t>
+            </a:r>
+          </a:p>
+        </p:txBody>
+      </p:sp>
+    </p:spTree>
+    <p:extLst>
+      <p:ext uri="{BB962C8B-B14F-4D97-AF65-F5344CB8AC3E}">
+        <p14:creationId xmlns:p14="http://schemas.microsoft.com/office/powerpoint/2010/main" val="3286973216"/>
       </p:ext>
     </p:extLst>
   </p:cSld>
@@ -5752,8 +6523,8 @@
         </p:nvSpPr>
         <p:spPr>
           <a:xfrm>
-            <a:off x="715972" y="1659285"/>
-            <a:ext cx="6066567" cy="2554545"/>
+            <a:off x="816666" y="2413887"/>
+            <a:ext cx="10558668" cy="1200329"/>
           </a:xfrm>
           <a:prstGeom prst="rect">
             <a:avLst/>
@@ -5766,65 +6537,12 @@
           </a:bodyPr>
           <a:lstStyle/>
           <a:p>
-            <a:r>
-              <a:rPr lang="en-US" sz="3200" b="1" dirty="0">
-                <a:latin typeface="Arial" pitchFamily="34" charset="0"/>
-                <a:cs typeface="Arial" pitchFamily="34" charset="0"/>
-              </a:rPr>
-              <a:t>It involves various techniques to </a:t>
-            </a:r>
-            <a:r>
-              <a:rPr lang="en-US" sz="3200" b="1" dirty="0">
-                <a:solidFill>
-                  <a:srgbClr val="FF0000"/>
-                </a:solidFill>
-                <a:latin typeface="Arial" pitchFamily="34" charset="0"/>
-                <a:cs typeface="Arial" pitchFamily="34" charset="0"/>
-              </a:rPr>
-              <a:t>process</a:t>
-            </a:r>
-            <a:r>
-              <a:rPr lang="en-US" sz="3200" b="1" dirty="0">
-                <a:latin typeface="Arial" pitchFamily="34" charset="0"/>
-                <a:cs typeface="Arial" pitchFamily="34" charset="0"/>
-              </a:rPr>
-              <a:t>, </a:t>
-            </a:r>
-            <a:r>
-              <a:rPr lang="en-US" sz="3200" b="1" dirty="0">
-                <a:solidFill>
-                  <a:srgbClr val="FF0000"/>
-                </a:solidFill>
-                <a:latin typeface="Arial" pitchFamily="34" charset="0"/>
-                <a:cs typeface="Arial" pitchFamily="34" charset="0"/>
-              </a:rPr>
-              <a:t>analyze</a:t>
-            </a:r>
-            <a:r>
-              <a:rPr lang="en-US" sz="3200" b="1" dirty="0">
-                <a:latin typeface="Arial" pitchFamily="34" charset="0"/>
-                <a:cs typeface="Arial" pitchFamily="34" charset="0"/>
-              </a:rPr>
-              <a:t>, and </a:t>
-            </a:r>
-            <a:r>
-              <a:rPr lang="en-US" sz="3200" b="1" dirty="0">
-                <a:solidFill>
-                  <a:srgbClr val="FF0000"/>
-                </a:solidFill>
-                <a:latin typeface="Arial" pitchFamily="34" charset="0"/>
-                <a:cs typeface="Arial" pitchFamily="34" charset="0"/>
-              </a:rPr>
-              <a:t>interpret</a:t>
-            </a:r>
-            <a:r>
-              <a:rPr lang="en-US" sz="3200" b="1" dirty="0">
-                <a:latin typeface="Arial" pitchFamily="34" charset="0"/>
-                <a:cs typeface="Arial" pitchFamily="34" charset="0"/>
-              </a:rPr>
-              <a:t> large volumes of structured and unstructured data.</a:t>
-            </a:r>
-            <a:endParaRPr lang="en-PH" sz="3200" b="1" dirty="0">
+            <a:pPr algn="ctr"/>
+            <a:r>
+              <a:rPr lang="en-US" sz="7200" b="1" dirty="0"/>
+              <a:t>Why learn data science?</a:t>
+            </a:r>
+            <a:endParaRPr lang="en-US" sz="7200" b="1" dirty="0">
               <a:latin typeface="Arial" pitchFamily="34" charset="0"/>
               <a:cs typeface="Arial" pitchFamily="34" charset="0"/>
             </a:endParaRPr>
@@ -5834,7 +6552,362 @@
     </p:spTree>
     <p:extLst>
       <p:ext uri="{BB962C8B-B14F-4D97-AF65-F5344CB8AC3E}">
-        <p14:creationId xmlns:p14="http://schemas.microsoft.com/office/powerpoint/2010/main" val="3699455703"/>
+        <p14:creationId xmlns:p14="http://schemas.microsoft.com/office/powerpoint/2010/main" val="3212811334"/>
+      </p:ext>
+    </p:extLst>
+  </p:cSld>
+  <p:clrMapOvr>
+    <a:masterClrMapping/>
+  </p:clrMapOvr>
+</p:sld>
+</file>
+
+<file path=ppt/slides/slide30.xml><?xml version="1.0" encoding="utf-8"?>
+<p:sld xmlns:a="http://schemas.openxmlformats.org/drawingml/2006/main" xmlns:r="http://schemas.openxmlformats.org/officeDocument/2006/relationships" xmlns:p="http://schemas.openxmlformats.org/presentationml/2006/main">
+  <p:cSld>
+    <p:spTree>
+      <p:nvGrpSpPr>
+        <p:cNvPr id="1" name=""/>
+        <p:cNvGrpSpPr/>
+        <p:nvPr/>
+      </p:nvGrpSpPr>
+      <p:grpSpPr>
+        <a:xfrm>
+          <a:off x="0" y="0"/>
+          <a:ext cx="0" cy="0"/>
+          <a:chOff x="0" y="0"/>
+          <a:chExt cx="0" cy="0"/>
+        </a:xfrm>
+      </p:grpSpPr>
+      <p:sp>
+        <p:nvSpPr>
+          <p:cNvPr id="4" name="TextBox 3"/>
+          <p:cNvSpPr txBox="1"/>
+          <p:nvPr/>
+        </p:nvSpPr>
+        <p:spPr>
+          <a:xfrm>
+            <a:off x="443883" y="1259789"/>
+            <a:ext cx="11390051" cy="2123658"/>
+          </a:xfrm>
+          <a:prstGeom prst="rect">
+            <a:avLst/>
+          </a:prstGeom>
+          <a:noFill/>
+        </p:spPr>
+        <p:txBody>
+          <a:bodyPr wrap="square" rtlCol="0">
+            <a:spAutoFit/>
+          </a:bodyPr>
+          <a:lstStyle/>
+          <a:p>
+            <a:r>
+              <a:rPr lang="en-US" sz="3600" b="1" dirty="0">
+                <a:latin typeface="Arial" pitchFamily="34" charset="0"/>
+                <a:cs typeface="Arial" pitchFamily="34" charset="0"/>
+              </a:rPr>
+              <a:t>Week 14 (</a:t>
+            </a:r>
+            <a:r>
+              <a:rPr lang="en-US" sz="3600" b="1" dirty="0" err="1">
+                <a:latin typeface="Arial" pitchFamily="34" charset="0"/>
+                <a:cs typeface="Arial" pitchFamily="34" charset="0"/>
+              </a:rPr>
+              <a:t>GeoSpatial</a:t>
+            </a:r>
+            <a:r>
+              <a:rPr lang="en-US" sz="3600" b="1" dirty="0">
+                <a:latin typeface="Arial" pitchFamily="34" charset="0"/>
+                <a:cs typeface="Arial" pitchFamily="34" charset="0"/>
+              </a:rPr>
+              <a:t> Data Visualization)</a:t>
+            </a:r>
+          </a:p>
+          <a:p>
+            <a:endParaRPr lang="en-US" sz="2400" b="1" dirty="0">
+              <a:latin typeface="Arial" pitchFamily="34" charset="0"/>
+              <a:cs typeface="Arial" pitchFamily="34" charset="0"/>
+            </a:endParaRPr>
+          </a:p>
+          <a:p>
+            <a:pPr marL="342900" indent="-342900">
+              <a:buFontTx/>
+              <a:buChar char="-"/>
+            </a:pPr>
+            <a:r>
+              <a:rPr lang="en-US" sz="2400" b="1" dirty="0">
+                <a:latin typeface="Arial" pitchFamily="34" charset="0"/>
+                <a:cs typeface="Arial" pitchFamily="34" charset="0"/>
+              </a:rPr>
+              <a:t>Overview of </a:t>
+            </a:r>
+            <a:r>
+              <a:rPr lang="en-US" sz="2400" b="1" dirty="0" err="1">
+                <a:latin typeface="Arial" pitchFamily="34" charset="0"/>
+                <a:cs typeface="Arial" pitchFamily="34" charset="0"/>
+              </a:rPr>
+              <a:t>GeoSpatial</a:t>
+            </a:r>
+            <a:r>
+              <a:rPr lang="en-US" sz="2400" b="1" dirty="0">
+                <a:latin typeface="Arial" pitchFamily="34" charset="0"/>
+                <a:cs typeface="Arial" pitchFamily="34" charset="0"/>
+              </a:rPr>
+              <a:t> Data and </a:t>
+            </a:r>
+            <a:r>
+              <a:rPr lang="en-US" sz="2400" b="1" dirty="0" err="1">
+                <a:latin typeface="Arial" pitchFamily="34" charset="0"/>
+                <a:cs typeface="Arial" pitchFamily="34" charset="0"/>
+              </a:rPr>
+              <a:t>GeoPandas</a:t>
+            </a:r>
+            <a:endParaRPr lang="en-US" sz="2400" b="1" dirty="0">
+              <a:latin typeface="Arial" pitchFamily="34" charset="0"/>
+              <a:cs typeface="Arial" pitchFamily="34" charset="0"/>
+            </a:endParaRPr>
+          </a:p>
+          <a:p>
+            <a:pPr marL="342900" indent="-342900">
+              <a:buFontTx/>
+              <a:buChar char="-"/>
+            </a:pPr>
+            <a:r>
+              <a:rPr lang="en-US" sz="2400" b="1" dirty="0">
+                <a:latin typeface="Arial" pitchFamily="34" charset="0"/>
+                <a:cs typeface="Arial" pitchFamily="34" charset="0"/>
+              </a:rPr>
+              <a:t>Shapefiles and </a:t>
+            </a:r>
+            <a:r>
+              <a:rPr lang="en-US" sz="2400" b="1" dirty="0" err="1">
+                <a:latin typeface="Arial" pitchFamily="34" charset="0"/>
+                <a:cs typeface="Arial" pitchFamily="34" charset="0"/>
+              </a:rPr>
+              <a:t>GeoJSON</a:t>
+            </a:r>
+            <a:endParaRPr lang="en-US" sz="2400" b="1" dirty="0">
+              <a:latin typeface="Arial" pitchFamily="34" charset="0"/>
+              <a:cs typeface="Arial" pitchFamily="34" charset="0"/>
+            </a:endParaRPr>
+          </a:p>
+          <a:p>
+            <a:pPr marL="342900" indent="-342900">
+              <a:buFontTx/>
+              <a:buChar char="-"/>
+            </a:pPr>
+            <a:r>
+              <a:rPr lang="en-US" sz="2400" b="1" dirty="0">
+                <a:latin typeface="Arial" pitchFamily="34" charset="0"/>
+                <a:cs typeface="Arial" pitchFamily="34" charset="0"/>
+              </a:rPr>
+              <a:t>Plotting Geospatial with </a:t>
+            </a:r>
+            <a:r>
+              <a:rPr lang="en-US" sz="2400" b="1" dirty="0" err="1">
+                <a:latin typeface="Arial" pitchFamily="34" charset="0"/>
+                <a:cs typeface="Arial" pitchFamily="34" charset="0"/>
+              </a:rPr>
+              <a:t>GeoPandas</a:t>
+            </a:r>
+            <a:r>
+              <a:rPr lang="en-US" sz="2400" b="1" dirty="0">
+                <a:latin typeface="Arial" pitchFamily="34" charset="0"/>
+                <a:cs typeface="Arial" pitchFamily="34" charset="0"/>
+              </a:rPr>
+              <a:t> and Folium</a:t>
+            </a:r>
+          </a:p>
+        </p:txBody>
+      </p:sp>
+    </p:spTree>
+    <p:extLst>
+      <p:ext uri="{BB962C8B-B14F-4D97-AF65-F5344CB8AC3E}">
+        <p14:creationId xmlns:p14="http://schemas.microsoft.com/office/powerpoint/2010/main" val="3097104802"/>
+      </p:ext>
+    </p:extLst>
+  </p:cSld>
+  <p:clrMapOvr>
+    <a:masterClrMapping/>
+  </p:clrMapOvr>
+</p:sld>
+</file>
+
+<file path=ppt/slides/slide31.xml><?xml version="1.0" encoding="utf-8"?>
+<p:sld xmlns:a="http://schemas.openxmlformats.org/drawingml/2006/main" xmlns:r="http://schemas.openxmlformats.org/officeDocument/2006/relationships" xmlns:p="http://schemas.openxmlformats.org/presentationml/2006/main">
+  <p:cSld>
+    <p:spTree>
+      <p:nvGrpSpPr>
+        <p:cNvPr id="1" name=""/>
+        <p:cNvGrpSpPr/>
+        <p:nvPr/>
+      </p:nvGrpSpPr>
+      <p:grpSpPr>
+        <a:xfrm>
+          <a:off x="0" y="0"/>
+          <a:ext cx="0" cy="0"/>
+          <a:chOff x="0" y="0"/>
+          <a:chExt cx="0" cy="0"/>
+        </a:xfrm>
+      </p:grpSpPr>
+      <p:sp>
+        <p:nvSpPr>
+          <p:cNvPr id="4" name="TextBox 3"/>
+          <p:cNvSpPr txBox="1"/>
+          <p:nvPr/>
+        </p:nvSpPr>
+        <p:spPr>
+          <a:xfrm>
+            <a:off x="443883" y="1259789"/>
+            <a:ext cx="11390051" cy="2123658"/>
+          </a:xfrm>
+          <a:prstGeom prst="rect">
+            <a:avLst/>
+          </a:prstGeom>
+          <a:noFill/>
+        </p:spPr>
+        <p:txBody>
+          <a:bodyPr wrap="square" rtlCol="0">
+            <a:spAutoFit/>
+          </a:bodyPr>
+          <a:lstStyle/>
+          <a:p>
+            <a:r>
+              <a:rPr lang="en-US" sz="3600" b="1" dirty="0">
+                <a:latin typeface="Arial" pitchFamily="34" charset="0"/>
+                <a:cs typeface="Arial" pitchFamily="34" charset="0"/>
+              </a:rPr>
+              <a:t>Week 15 (Interactive Data Visualizations)</a:t>
+            </a:r>
+          </a:p>
+          <a:p>
+            <a:endParaRPr lang="en-US" sz="2400" b="1" dirty="0">
+              <a:latin typeface="Arial" pitchFamily="34" charset="0"/>
+              <a:cs typeface="Arial" pitchFamily="34" charset="0"/>
+            </a:endParaRPr>
+          </a:p>
+          <a:p>
+            <a:pPr marL="342900" indent="-342900">
+              <a:buFontTx/>
+              <a:buChar char="-"/>
+            </a:pPr>
+            <a:r>
+              <a:rPr lang="en-US" sz="2400" b="1" dirty="0">
+                <a:latin typeface="Arial" pitchFamily="34" charset="0"/>
+                <a:cs typeface="Arial" pitchFamily="34" charset="0"/>
+              </a:rPr>
+              <a:t>Dashboards and Reports</a:t>
+            </a:r>
+          </a:p>
+          <a:p>
+            <a:pPr marL="342900" indent="-342900">
+              <a:buFontTx/>
+              <a:buChar char="-"/>
+            </a:pPr>
+            <a:r>
+              <a:rPr lang="en-US" sz="2400" b="1" dirty="0">
+                <a:latin typeface="Arial" pitchFamily="34" charset="0"/>
+                <a:cs typeface="Arial" pitchFamily="34" charset="0"/>
+              </a:rPr>
+              <a:t>Best Practices for Effective Data Visualization</a:t>
+            </a:r>
+          </a:p>
+          <a:p>
+            <a:pPr marL="342900" indent="-342900">
+              <a:buFontTx/>
+              <a:buChar char="-"/>
+            </a:pPr>
+            <a:r>
+              <a:rPr lang="en-US" sz="2400" b="1" dirty="0">
+                <a:latin typeface="Arial" pitchFamily="34" charset="0"/>
+                <a:cs typeface="Arial" pitchFamily="34" charset="0"/>
+              </a:rPr>
+              <a:t>End-to-End Data Science Pipeline Project</a:t>
+            </a:r>
+          </a:p>
+        </p:txBody>
+      </p:sp>
+    </p:spTree>
+    <p:extLst>
+      <p:ext uri="{BB962C8B-B14F-4D97-AF65-F5344CB8AC3E}">
+        <p14:creationId xmlns:p14="http://schemas.microsoft.com/office/powerpoint/2010/main" val="4257937412"/>
+      </p:ext>
+    </p:extLst>
+  </p:cSld>
+  <p:clrMapOvr>
+    <a:masterClrMapping/>
+  </p:clrMapOvr>
+</p:sld>
+</file>
+
+<file path=ppt/slides/slide32.xml><?xml version="1.0" encoding="utf-8"?>
+<p:sld xmlns:a="http://schemas.openxmlformats.org/drawingml/2006/main" xmlns:r="http://schemas.openxmlformats.org/officeDocument/2006/relationships" xmlns:p="http://schemas.openxmlformats.org/presentationml/2006/main">
+  <p:cSld>
+    <p:spTree>
+      <p:nvGrpSpPr>
+        <p:cNvPr id="1" name=""/>
+        <p:cNvGrpSpPr/>
+        <p:nvPr/>
+      </p:nvGrpSpPr>
+      <p:grpSpPr>
+        <a:xfrm>
+          <a:off x="0" y="0"/>
+          <a:ext cx="0" cy="0"/>
+          <a:chOff x="0" y="0"/>
+          <a:chExt cx="0" cy="0"/>
+        </a:xfrm>
+      </p:grpSpPr>
+      <p:sp>
+        <p:nvSpPr>
+          <p:cNvPr id="6" name="TextBox 5"/>
+          <p:cNvSpPr txBox="1"/>
+          <p:nvPr/>
+        </p:nvSpPr>
+        <p:spPr>
+          <a:xfrm>
+            <a:off x="721364" y="2562078"/>
+            <a:ext cx="10749281" cy="830997"/>
+          </a:xfrm>
+          <a:prstGeom prst="rect">
+            <a:avLst/>
+          </a:prstGeom>
+          <a:noFill/>
+        </p:spPr>
+        <p:txBody>
+          <a:bodyPr wrap="square" rtlCol="0">
+            <a:spAutoFit/>
+          </a:bodyPr>
+          <a:lstStyle/>
+          <a:p>
+            <a:pPr algn="ctr"/>
+            <a:r>
+              <a:rPr lang="en-US" sz="4800" b="1" dirty="0">
+                <a:latin typeface="Arial" pitchFamily="34" charset="0"/>
+                <a:cs typeface="Arial" pitchFamily="34" charset="0"/>
+              </a:rPr>
+              <a:t>Thank you very much for listening</a:t>
+            </a:r>
+            <a:r>
+              <a:rPr lang="en-US" sz="3200" b="1" dirty="0">
+                <a:latin typeface="Arial" pitchFamily="34" charset="0"/>
+                <a:cs typeface="Arial" pitchFamily="34" charset="0"/>
+              </a:rPr>
+              <a:t>.</a:t>
+            </a:r>
+            <a:endParaRPr lang="en-US" sz="3200" b="1" dirty="0">
+              <a:solidFill>
+                <a:schemeClr val="accent2"/>
+              </a:solidFill>
+              <a:latin typeface="Arial" pitchFamily="34" charset="0"/>
+              <a:cs typeface="Arial" pitchFamily="34" charset="0"/>
+            </a:endParaRPr>
+          </a:p>
+        </p:txBody>
+      </p:sp>
+    </p:spTree>
+    <p:extLst>
+      <p:ext uri="{BB962C8B-B14F-4D97-AF65-F5344CB8AC3E}">
+        <p14:creationId xmlns:p14="http://schemas.microsoft.com/office/powerpoint/2010/main" val="1328378833"/>
       </p:ext>
     </p:extLst>
   </p:cSld>
@@ -5869,8 +6942,8 @@
         </p:nvSpPr>
         <p:spPr>
           <a:xfrm>
-            <a:off x="715972" y="1659285"/>
-            <a:ext cx="6066567" cy="2554545"/>
+            <a:off x="715972" y="2103162"/>
+            <a:ext cx="10807243" cy="2062103"/>
           </a:xfrm>
           <a:prstGeom prst="rect">
             <a:avLst/>
@@ -5884,57 +6957,28 @@
           <a:lstStyle/>
           <a:p>
             <a:r>
-              <a:rPr lang="en-US" sz="3200" b="1" dirty="0">
-                <a:latin typeface="Arial" pitchFamily="34" charset="0"/>
-                <a:cs typeface="Arial" pitchFamily="34" charset="0"/>
-              </a:rPr>
-              <a:t>By leveraging algorithms, </a:t>
-            </a:r>
-            <a:r>
-              <a:rPr lang="en-US" sz="3200" b="1" dirty="0">
-                <a:solidFill>
-                  <a:srgbClr val="FF0000"/>
-                </a:solidFill>
-                <a:latin typeface="Arial" pitchFamily="34" charset="0"/>
-                <a:cs typeface="Arial" pitchFamily="34" charset="0"/>
-              </a:rPr>
-              <a:t>machine learning</a:t>
-            </a:r>
-            <a:r>
-              <a:rPr lang="en-US" sz="3200" b="1" dirty="0">
-                <a:latin typeface="Arial" pitchFamily="34" charset="0"/>
-                <a:cs typeface="Arial" pitchFamily="34" charset="0"/>
-              </a:rPr>
-              <a:t>, and </a:t>
-            </a:r>
-            <a:r>
-              <a:rPr lang="en-US" sz="3200" b="1" dirty="0">
-                <a:solidFill>
-                  <a:srgbClr val="FF0000"/>
-                </a:solidFill>
-                <a:latin typeface="Arial" pitchFamily="34" charset="0"/>
-                <a:cs typeface="Arial" pitchFamily="34" charset="0"/>
-              </a:rPr>
-              <a:t>statistical models</a:t>
-            </a:r>
-            <a:r>
-              <a:rPr lang="en-US" sz="3200" b="1" dirty="0">
-                <a:latin typeface="Arial" pitchFamily="34" charset="0"/>
-                <a:cs typeface="Arial" pitchFamily="34" charset="0"/>
-              </a:rPr>
-              <a:t>, you can uncover patterns and trends that inform decision-making.</a:t>
-            </a:r>
-            <a:endParaRPr lang="en-PH" sz="3200" b="1" dirty="0">
-              <a:latin typeface="Arial" pitchFamily="34" charset="0"/>
-              <a:cs typeface="Arial" pitchFamily="34" charset="0"/>
-            </a:endParaRPr>
+              <a:rPr lang="en-US" sz="3200" b="1" dirty="0"/>
+              <a:t>In today’s digital age, data is the new currency.</a:t>
+            </a:r>
+          </a:p>
+          <a:p>
+            <a:r>
+              <a:rPr lang="en-US" sz="3200" b="1" dirty="0"/>
+              <a:t> </a:t>
+            </a:r>
+          </a:p>
+          <a:p>
+            <a:r>
+              <a:rPr lang="en-US" sz="3200" b="1" dirty="0"/>
+              <a:t>It powers every industry, from healthcare to finance, from entertainment to technology. </a:t>
+            </a:r>
           </a:p>
         </p:txBody>
       </p:sp>
     </p:spTree>
     <p:extLst>
       <p:ext uri="{BB962C8B-B14F-4D97-AF65-F5344CB8AC3E}">
-        <p14:creationId xmlns:p14="http://schemas.microsoft.com/office/powerpoint/2010/main" val="1296858923"/>
+        <p14:creationId xmlns:p14="http://schemas.microsoft.com/office/powerpoint/2010/main" val="3807229764"/>
       </p:ext>
     </p:extLst>
   </p:cSld>
@@ -5969,8 +7013,8 @@
         </p:nvSpPr>
         <p:spPr>
           <a:xfrm>
-            <a:off x="715972" y="1659285"/>
-            <a:ext cx="6066567" cy="2862322"/>
+            <a:off x="715972" y="2103162"/>
+            <a:ext cx="10807243" cy="2062103"/>
           </a:xfrm>
           <a:prstGeom prst="rect">
             <a:avLst/>
@@ -5984,36 +7028,40 @@
           <a:lstStyle/>
           <a:p>
             <a:r>
-              <a:rPr lang="en-US" sz="3600" b="1" dirty="0">
-                <a:latin typeface="Arial" pitchFamily="34" charset="0"/>
-                <a:cs typeface="Arial" pitchFamily="34" charset="0"/>
-              </a:rPr>
-              <a:t>In today’s data-driven world, your ability to harness data effectively will be your </a:t>
-            </a:r>
-            <a:r>
-              <a:rPr lang="en-US" sz="3600" b="1" dirty="0">
+              <a:rPr lang="en-US" sz="3200" b="1" dirty="0"/>
+              <a:t>The world generates an </a:t>
+            </a:r>
+            <a:r>
+              <a:rPr lang="en-US" sz="3200" b="1" dirty="0">
                 <a:solidFill>
                   <a:srgbClr val="FF0000"/>
                 </a:solidFill>
-                <a:latin typeface="Arial" pitchFamily="34" charset="0"/>
-                <a:cs typeface="Arial" pitchFamily="34" charset="0"/>
-              </a:rPr>
-              <a:t>competitive advantage</a:t>
-            </a:r>
-            <a:endParaRPr lang="en-PH" sz="3600" b="1" dirty="0">
-              <a:solidFill>
-                <a:srgbClr val="FF0000"/>
-              </a:solidFill>
-              <a:latin typeface="Arial" pitchFamily="34" charset="0"/>
-              <a:cs typeface="Arial" pitchFamily="34" charset="0"/>
-            </a:endParaRPr>
+              </a:rPr>
+              <a:t>overwhelming</a:t>
+            </a:r>
+            <a:r>
+              <a:rPr lang="en-US" sz="3200" b="1" dirty="0"/>
+              <a:t> amount of data every second, and hidden within these vast streams of information are patterns, insights, and trends that have the potential to transform our </a:t>
+            </a:r>
+            <a:r>
+              <a:rPr lang="en-US" sz="3200" b="1" dirty="0">
+                <a:solidFill>
+                  <a:srgbClr val="FF0000"/>
+                </a:solidFill>
+              </a:rPr>
+              <a:t>understanding</a:t>
+            </a:r>
+            <a:r>
+              <a:rPr lang="en-US" sz="3200" b="1" dirty="0"/>
+              <a:t> of the world</a:t>
+            </a:r>
           </a:p>
         </p:txBody>
       </p:sp>
     </p:spTree>
     <p:extLst>
       <p:ext uri="{BB962C8B-B14F-4D97-AF65-F5344CB8AC3E}">
-        <p14:creationId xmlns:p14="http://schemas.microsoft.com/office/powerpoint/2010/main" val="390196304"/>
+        <p14:creationId xmlns:p14="http://schemas.microsoft.com/office/powerpoint/2010/main" val="3852475697"/>
       </p:ext>
     </p:extLst>
   </p:cSld>
@@ -6048,8 +7096,8 @@
         </p:nvSpPr>
         <p:spPr>
           <a:xfrm>
-            <a:off x="701256" y="1916738"/>
-            <a:ext cx="10789488" cy="1754326"/>
+            <a:off x="715972" y="2103162"/>
+            <a:ext cx="10807243" cy="1569660"/>
           </a:xfrm>
           <a:prstGeom prst="rect">
             <a:avLst/>
@@ -6063,49 +7111,20 @@
           <a:lstStyle/>
           <a:p>
             <a:r>
-              <a:rPr lang="en-US" sz="3600" b="1" dirty="0">
+              <a:rPr lang="en-US" sz="3200" b="1" dirty="0"/>
+              <a:t>“When you study data science, you aren’t just learning how to analyze numbers—you’re learning </a:t>
+            </a:r>
+            <a:r>
+              <a:rPr lang="en-US" sz="3200" b="1" dirty="0">
                 <a:solidFill>
                   <a:srgbClr val="FF0000"/>
                 </a:solidFill>
-                <a:latin typeface="Arial" pitchFamily="34" charset="0"/>
-                <a:cs typeface="Arial" pitchFamily="34" charset="0"/>
-              </a:rPr>
-              <a:t>CPE15</a:t>
-            </a:r>
-            <a:r>
-              <a:rPr lang="en-US" sz="3600" b="1" dirty="0">
-                <a:latin typeface="Arial" pitchFamily="34" charset="0"/>
-                <a:cs typeface="Arial" pitchFamily="34" charset="0"/>
-              </a:rPr>
-              <a:t> – Programming for Data Science</a:t>
-            </a:r>
-          </a:p>
-          <a:p>
-            <a:r>
-              <a:rPr lang="en-US" sz="3600" b="1" dirty="0">
-                <a:solidFill>
-                  <a:schemeClr val="bg1">
-                    <a:lumMod val="50000"/>
-                  </a:schemeClr>
-                </a:solidFill>
-                <a:latin typeface="Arial" pitchFamily="34" charset="0"/>
-                <a:cs typeface="Arial" pitchFamily="34" charset="0"/>
-              </a:rPr>
-              <a:t>CPE21 – Machine Learning 1</a:t>
-            </a:r>
-          </a:p>
-          <a:p>
-            <a:r>
-              <a:rPr lang="en-US" sz="3600" b="1" dirty="0">
-                <a:solidFill>
-                  <a:schemeClr val="bg1">
-                    <a:lumMod val="50000"/>
-                  </a:schemeClr>
-                </a:solidFill>
-                <a:latin typeface="Arial" pitchFamily="34" charset="0"/>
-                <a:cs typeface="Arial" pitchFamily="34" charset="0"/>
-              </a:rPr>
-              <a:t>CPE28 – Machine Learning 2</a:t>
+              </a:rPr>
+              <a:t>how to decode </a:t>
+            </a:r>
+            <a:r>
+              <a:rPr lang="en-US" sz="3200" b="1" dirty="0"/>
+              <a:t>the universe.”</a:t>
             </a:r>
           </a:p>
         </p:txBody>
@@ -6113,7 +7132,7 @@
     </p:spTree>
     <p:extLst>
       <p:ext uri="{BB962C8B-B14F-4D97-AF65-F5344CB8AC3E}">
-        <p14:creationId xmlns:p14="http://schemas.microsoft.com/office/powerpoint/2010/main" val="2516945964"/>
+        <p14:creationId xmlns:p14="http://schemas.microsoft.com/office/powerpoint/2010/main" val="3712151704"/>
       </p:ext>
     </p:extLst>
   </p:cSld>
@@ -6148,8 +7167,8 @@
         </p:nvSpPr>
         <p:spPr>
           <a:xfrm>
-            <a:off x="705694" y="1259789"/>
-            <a:ext cx="10780611" cy="4401205"/>
+            <a:off x="715972" y="2103162"/>
+            <a:ext cx="10807243" cy="1569660"/>
           </a:xfrm>
           <a:prstGeom prst="rect">
             <a:avLst/>
@@ -6163,131 +7182,20 @@
           <a:lstStyle/>
           <a:p>
             <a:r>
-              <a:rPr lang="en-US" sz="3600" b="1" dirty="0">
-                <a:latin typeface="Arial" pitchFamily="34" charset="0"/>
-                <a:cs typeface="Arial" pitchFamily="34" charset="0"/>
-              </a:rPr>
-              <a:t>Week 1 (Preliminaries)</a:t>
-            </a:r>
-          </a:p>
-          <a:p>
-            <a:endParaRPr lang="en-US" sz="2400" b="1" dirty="0">
-              <a:latin typeface="Arial" pitchFamily="34" charset="0"/>
-              <a:cs typeface="Arial" pitchFamily="34" charset="0"/>
-            </a:endParaRPr>
-          </a:p>
-          <a:p>
-            <a:r>
-              <a:rPr lang="en-US" sz="2400" b="1" dirty="0">
-                <a:latin typeface="Arial" pitchFamily="34" charset="0"/>
-                <a:cs typeface="Arial" pitchFamily="34" charset="0"/>
-              </a:rPr>
-              <a:t>-   Data science overview</a:t>
-            </a:r>
-          </a:p>
-          <a:p>
-            <a:pPr marL="342900" indent="-342900">
-              <a:buFontTx/>
-              <a:buChar char="-"/>
-            </a:pPr>
-            <a:r>
-              <a:rPr lang="en-US" sz="2400" b="1" dirty="0">
-                <a:latin typeface="Arial" pitchFamily="34" charset="0"/>
-                <a:cs typeface="Arial" pitchFamily="34" charset="0"/>
-              </a:rPr>
-              <a:t>IDE (Setup, offline and online)</a:t>
-            </a:r>
-          </a:p>
-          <a:p>
-            <a:pPr marL="342900" indent="-342900">
-              <a:buFontTx/>
-              <a:buChar char="-"/>
-            </a:pPr>
-            <a:r>
-              <a:rPr lang="en-US" sz="2400" b="1" dirty="0" err="1">
-                <a:latin typeface="Arial" pitchFamily="34" charset="0"/>
-                <a:cs typeface="Arial" pitchFamily="34" charset="0"/>
-              </a:rPr>
-              <a:t>Jupyter</a:t>
-            </a:r>
-            <a:r>
-              <a:rPr lang="en-US" sz="2400" b="1" dirty="0">
-                <a:latin typeface="Arial" pitchFamily="34" charset="0"/>
-                <a:cs typeface="Arial" pitchFamily="34" charset="0"/>
-              </a:rPr>
-              <a:t> Notebook overview</a:t>
-            </a:r>
-          </a:p>
-          <a:p>
-            <a:pPr marL="342900" indent="-342900">
-              <a:buFontTx/>
-              <a:buChar char="-"/>
-            </a:pPr>
-            <a:r>
-              <a:rPr lang="en-US" sz="2400" b="1" dirty="0">
-                <a:latin typeface="Arial" pitchFamily="34" charset="0"/>
-                <a:cs typeface="Arial" pitchFamily="34" charset="0"/>
-              </a:rPr>
-              <a:t>Python Basics – Part 1</a:t>
-            </a:r>
-          </a:p>
-          <a:p>
-            <a:r>
-              <a:rPr lang="en-US" sz="2400" b="1" dirty="0">
-                <a:latin typeface="Arial" pitchFamily="34" charset="0"/>
-                <a:cs typeface="Arial" pitchFamily="34" charset="0"/>
-              </a:rPr>
-              <a:t>    a. data types, variables, list, dictionary, </a:t>
-            </a:r>
-            <a:r>
-              <a:rPr lang="en-US" sz="2400" b="1" dirty="0" err="1">
-                <a:latin typeface="Arial" pitchFamily="34" charset="0"/>
-                <a:cs typeface="Arial" pitchFamily="34" charset="0"/>
-              </a:rPr>
-              <a:t>boolean</a:t>
-            </a:r>
-            <a:r>
-              <a:rPr lang="en-US" sz="2400" b="1" dirty="0">
-                <a:latin typeface="Arial" pitchFamily="34" charset="0"/>
-                <a:cs typeface="Arial" pitchFamily="34" charset="0"/>
-              </a:rPr>
-              <a:t>, tuple, sets</a:t>
-            </a:r>
-          </a:p>
-          <a:p>
-            <a:r>
-              <a:rPr lang="en-US" sz="2400" b="1" dirty="0">
-                <a:latin typeface="Arial" pitchFamily="34" charset="0"/>
-                <a:cs typeface="Arial" pitchFamily="34" charset="0"/>
-              </a:rPr>
-              <a:t>    b. comparison operators</a:t>
-            </a:r>
-          </a:p>
-          <a:p>
-            <a:r>
-              <a:rPr lang="en-US" sz="2400" b="1" dirty="0">
-                <a:latin typeface="Arial" pitchFamily="34" charset="0"/>
-                <a:cs typeface="Arial" pitchFamily="34" charset="0"/>
-              </a:rPr>
-              <a:t>    c. logical operators</a:t>
-            </a:r>
-          </a:p>
-          <a:p>
-            <a:r>
-              <a:rPr lang="en-US" sz="2400" b="1" dirty="0">
-                <a:latin typeface="Arial" pitchFamily="34" charset="0"/>
-                <a:cs typeface="Arial" pitchFamily="34" charset="0"/>
-              </a:rPr>
-              <a:t>    d. if constructs</a:t>
-            </a:r>
-          </a:p>
-          <a:p>
-            <a:r>
-              <a:rPr lang="en-US" sz="2400" b="1" dirty="0">
-                <a:latin typeface="Arial" pitchFamily="34" charset="0"/>
-                <a:cs typeface="Arial" pitchFamily="34" charset="0"/>
-              </a:rPr>
-              <a:t>    e. loops</a:t>
+              <a:rPr lang="en-US" sz="3200" b="1" dirty="0"/>
+              <a:t>Data is the language in which the world speaks to us, and by mastering it, </a:t>
+            </a:r>
+            <a:r>
+              <a:rPr lang="en-US" sz="3200" b="1" dirty="0">
+                <a:solidFill>
+                  <a:srgbClr val="FF0000"/>
+                </a:solidFill>
+              </a:rPr>
+              <a:t>you gain the power to uncover the truths </a:t>
+            </a:r>
+            <a:r>
+              <a:rPr lang="en-US" sz="3200" b="1" dirty="0"/>
+              <a:t>that lie beneath the surface of everyday phenomena.</a:t>
             </a:r>
           </a:p>
         </p:txBody>
@@ -6295,7 +7203,7 @@
     </p:spTree>
     <p:extLst>
       <p:ext uri="{BB962C8B-B14F-4D97-AF65-F5344CB8AC3E}">
-        <p14:creationId xmlns:p14="http://schemas.microsoft.com/office/powerpoint/2010/main" val="506937463"/>
+        <p14:creationId xmlns:p14="http://schemas.microsoft.com/office/powerpoint/2010/main" val="1603752568"/>
       </p:ext>
     </p:extLst>
   </p:cSld>
@@ -6330,8 +7238,8 @@
         </p:nvSpPr>
         <p:spPr>
           <a:xfrm>
-            <a:off x="443883" y="1259789"/>
-            <a:ext cx="11390051" cy="2492990"/>
+            <a:off x="715972" y="2103162"/>
+            <a:ext cx="10807243" cy="2062103"/>
           </a:xfrm>
           <a:prstGeom prst="rect">
             <a:avLst/>
@@ -6345,102 +7253,28 @@
           <a:lstStyle/>
           <a:p>
             <a:r>
-              <a:rPr lang="en-US" sz="3600" b="1" dirty="0">
-                <a:latin typeface="Arial" pitchFamily="34" charset="0"/>
-                <a:cs typeface="Arial" pitchFamily="34" charset="0"/>
-              </a:rPr>
-              <a:t>Week 2 (</a:t>
-            </a:r>
-            <a:r>
-              <a:rPr lang="en-US" sz="3600" b="1" dirty="0" err="1">
-                <a:latin typeface="Arial" pitchFamily="34" charset="0"/>
-                <a:cs typeface="Arial" pitchFamily="34" charset="0"/>
-              </a:rPr>
-              <a:t>Numpy</a:t>
-            </a:r>
-            <a:r>
-              <a:rPr lang="en-US" sz="3600" b="1" dirty="0">
-                <a:latin typeface="Arial" pitchFamily="34" charset="0"/>
-                <a:cs typeface="Arial" pitchFamily="34" charset="0"/>
-              </a:rPr>
-              <a:t>)</a:t>
-            </a:r>
-          </a:p>
-          <a:p>
-            <a:endParaRPr lang="en-US" sz="2400" b="1" dirty="0">
-              <a:latin typeface="Arial" pitchFamily="34" charset="0"/>
-              <a:cs typeface="Arial" pitchFamily="34" charset="0"/>
-            </a:endParaRPr>
-          </a:p>
-          <a:p>
-            <a:pPr marL="342900" indent="-342900">
-              <a:buFontTx/>
-              <a:buChar char="-"/>
-            </a:pPr>
-            <a:r>
-              <a:rPr lang="en-US" sz="2400" b="1" dirty="0">
-                <a:latin typeface="Arial" pitchFamily="34" charset="0"/>
-                <a:cs typeface="Arial" pitchFamily="34" charset="0"/>
-              </a:rPr>
-              <a:t>Array manipulations: reshaping, flattening, concatenation, splitting, etc.</a:t>
-            </a:r>
-          </a:p>
-          <a:p>
-            <a:pPr marL="342900" indent="-342900">
-              <a:buFontTx/>
-              <a:buChar char="-"/>
-            </a:pPr>
-            <a:r>
-              <a:rPr lang="en-US" sz="2400" b="1" dirty="0">
-                <a:latin typeface="Arial" pitchFamily="34" charset="0"/>
-                <a:cs typeface="Arial" pitchFamily="34" charset="0"/>
-              </a:rPr>
-              <a:t>Universal functions and aggregation</a:t>
-            </a:r>
-          </a:p>
-          <a:p>
-            <a:pPr marL="342900" indent="-342900">
-              <a:buFontTx/>
-              <a:buChar char="-"/>
-            </a:pPr>
-            <a:r>
-              <a:rPr lang="en-US" sz="2400" b="1" dirty="0">
-                <a:latin typeface="Arial" pitchFamily="34" charset="0"/>
-                <a:cs typeface="Arial" pitchFamily="34" charset="0"/>
-              </a:rPr>
-              <a:t>Working with multidimensional arrays</a:t>
-            </a:r>
-          </a:p>
-          <a:p>
-            <a:pPr marL="342900" indent="-342900">
-              <a:buFontTx/>
-              <a:buChar char="-"/>
-            </a:pPr>
-            <a:r>
-              <a:rPr lang="en-US" sz="2400" b="1" dirty="0">
-                <a:latin typeface="Arial" pitchFamily="34" charset="0"/>
-                <a:cs typeface="Arial" pitchFamily="34" charset="0"/>
-              </a:rPr>
-              <a:t>Linear Algebra operations with </a:t>
-            </a:r>
-            <a:r>
-              <a:rPr lang="en-US" sz="2400" b="1" dirty="0" err="1">
-                <a:latin typeface="Arial" pitchFamily="34" charset="0"/>
-                <a:cs typeface="Arial" pitchFamily="34" charset="0"/>
-              </a:rPr>
-              <a:t>Numpy</a:t>
-            </a:r>
-            <a:endParaRPr lang="en-US" sz="2400" b="1" dirty="0">
-              <a:latin typeface="Arial" pitchFamily="34" charset="0"/>
-              <a:cs typeface="Arial" pitchFamily="34" charset="0"/>
-            </a:endParaRPr>
+              <a:rPr lang="en-US" sz="3200" b="1" dirty="0"/>
+              <a:t>Imagine being able to predict disease outbreaks, optimize business strategies, personalize learning experiences, or even contribute to solving some of the </a:t>
+            </a:r>
+            <a:r>
+              <a:rPr lang="en-US" sz="3200" b="1" dirty="0">
+                <a:solidFill>
+                  <a:srgbClr val="FF0000"/>
+                </a:solidFill>
+              </a:rPr>
+              <a:t>world’s most pressing challenges</a:t>
+            </a:r>
+            <a:r>
+              <a:rPr lang="en-US" sz="3200" b="1" dirty="0"/>
+              <a:t>, like climate change or poverty. </a:t>
+            </a:r>
           </a:p>
         </p:txBody>
       </p:sp>
     </p:spTree>
     <p:extLst>
       <p:ext uri="{BB962C8B-B14F-4D97-AF65-F5344CB8AC3E}">
-        <p14:creationId xmlns:p14="http://schemas.microsoft.com/office/powerpoint/2010/main" val="2090829308"/>
+        <p14:creationId xmlns:p14="http://schemas.microsoft.com/office/powerpoint/2010/main" val="2774609252"/>
       </p:ext>
     </p:extLst>
   </p:cSld>
@@ -6475,8 +7309,8 @@
         </p:nvSpPr>
         <p:spPr>
           <a:xfrm>
-            <a:off x="443883" y="1259789"/>
-            <a:ext cx="11390051" cy="2492990"/>
+            <a:off x="715972" y="2103162"/>
+            <a:ext cx="10807243" cy="2062103"/>
           </a:xfrm>
           <a:prstGeom prst="rect">
             <a:avLst/>
@@ -6490,80 +7324,32 @@
           <a:lstStyle/>
           <a:p>
             <a:r>
-              <a:rPr lang="en-US" sz="3600" b="1" dirty="0">
-                <a:latin typeface="Arial" pitchFamily="34" charset="0"/>
-                <a:cs typeface="Arial" pitchFamily="34" charset="0"/>
-              </a:rPr>
-              <a:t>Week 3 (Introduction to Pandas)</a:t>
-            </a:r>
-          </a:p>
-          <a:p>
-            <a:endParaRPr lang="en-US" sz="2400" b="1" dirty="0">
-              <a:latin typeface="Arial" pitchFamily="34" charset="0"/>
-              <a:cs typeface="Arial" pitchFamily="34" charset="0"/>
-            </a:endParaRPr>
-          </a:p>
-          <a:p>
-            <a:pPr marL="342900" indent="-342900">
-              <a:buFontTx/>
-              <a:buChar char="-"/>
-            </a:pPr>
-            <a:r>
-              <a:rPr lang="en-US" sz="2400" b="1" dirty="0">
-                <a:latin typeface="Arial" pitchFamily="34" charset="0"/>
-                <a:cs typeface="Arial" pitchFamily="34" charset="0"/>
-              </a:rPr>
-              <a:t>Series &amp; </a:t>
-            </a:r>
-            <a:r>
-              <a:rPr lang="en-US" sz="2400" b="1" dirty="0" err="1">
-                <a:latin typeface="Arial" pitchFamily="34" charset="0"/>
-                <a:cs typeface="Arial" pitchFamily="34" charset="0"/>
-              </a:rPr>
-              <a:t>DataFrames</a:t>
-            </a:r>
-            <a:endParaRPr lang="en-US" sz="2400" b="1" dirty="0">
-              <a:latin typeface="Arial" pitchFamily="34" charset="0"/>
-              <a:cs typeface="Arial" pitchFamily="34" charset="0"/>
-            </a:endParaRPr>
-          </a:p>
-          <a:p>
-            <a:pPr marL="342900" indent="-342900">
-              <a:buFontTx/>
-              <a:buChar char="-"/>
-            </a:pPr>
-            <a:r>
-              <a:rPr lang="en-US" sz="2400" b="1" dirty="0">
-                <a:latin typeface="Arial" pitchFamily="34" charset="0"/>
-                <a:cs typeface="Arial" pitchFamily="34" charset="0"/>
-              </a:rPr>
-              <a:t>Data Loading, Storage, and File Formats</a:t>
-            </a:r>
-          </a:p>
-          <a:p>
-            <a:pPr marL="342900" indent="-342900">
-              <a:buFontTx/>
-              <a:buChar char="-"/>
-            </a:pPr>
-            <a:r>
-              <a:rPr lang="en-US" sz="2400" b="1" dirty="0">
-                <a:latin typeface="Arial" pitchFamily="34" charset="0"/>
-                <a:cs typeface="Arial" pitchFamily="34" charset="0"/>
-              </a:rPr>
-              <a:t>Indexing and Selecting Data</a:t>
-            </a:r>
-          </a:p>
-          <a:p>
-            <a:pPr marL="342900" indent="-342900">
-              <a:buFontTx/>
-              <a:buChar char="-"/>
-            </a:pPr>
-            <a:r>
-              <a:rPr lang="en-US" sz="2400" b="1" dirty="0">
-                <a:latin typeface="Arial" pitchFamily="34" charset="0"/>
-                <a:cs typeface="Arial" pitchFamily="34" charset="0"/>
-              </a:rPr>
-              <a:t>Handling Missing Data</a:t>
+              <a:rPr lang="en-US" sz="3200" b="1" dirty="0"/>
+              <a:t>But the power of data science goes beyond just making predictions or finding efficiencies. It’s about </a:t>
+            </a:r>
+            <a:r>
+              <a:rPr lang="en-US" sz="3200" b="1" dirty="0">
+                <a:solidFill>
+                  <a:srgbClr val="FF0000"/>
+                </a:solidFill>
+              </a:rPr>
+              <a:t>storytelling</a:t>
+            </a:r>
+            <a:r>
+              <a:rPr lang="en-US" sz="3200" b="1" dirty="0"/>
+              <a:t>—telling stories with numbers that </a:t>
+            </a:r>
+            <a:r>
+              <a:rPr lang="en-US" sz="3200" b="1" dirty="0">
+                <a:solidFill>
+                  <a:srgbClr val="FF0000"/>
+                </a:solidFill>
+              </a:rPr>
+              <a:t>can influence </a:t>
+            </a:r>
+            <a:r>
+              <a:rPr lang="en-US" sz="3200" b="1" dirty="0"/>
+              <a:t>decisions, inspire change, and guide the future. </a:t>
             </a:r>
           </a:p>
         </p:txBody>
@@ -6571,7 +7357,7 @@
     </p:spTree>
     <p:extLst>
       <p:ext uri="{BB962C8B-B14F-4D97-AF65-F5344CB8AC3E}">
-        <p14:creationId xmlns:p14="http://schemas.microsoft.com/office/powerpoint/2010/main" val="1348487136"/>
+        <p14:creationId xmlns:p14="http://schemas.microsoft.com/office/powerpoint/2010/main" val="2818321702"/>
       </p:ext>
     </p:extLst>
   </p:cSld>
